--- a/INSURANCE POLICY MANAGEMENT1.pptx
+++ b/INSURANCE POLICY MANAGEMENT1.pptx
@@ -11,22 +11,22 @@
     <p:sldId id="263" r:id="rId5"/>
     <p:sldId id="264" r:id="rId6"/>
     <p:sldId id="265" r:id="rId7"/>
-    <p:sldId id="301" r:id="rId8"/>
-    <p:sldId id="266" r:id="rId9"/>
-    <p:sldId id="283" r:id="rId10"/>
-    <p:sldId id="289" r:id="rId11"/>
-    <p:sldId id="267" r:id="rId12"/>
-    <p:sldId id="284" r:id="rId13"/>
-    <p:sldId id="288" r:id="rId14"/>
-    <p:sldId id="268" r:id="rId15"/>
-    <p:sldId id="269" r:id="rId16"/>
-    <p:sldId id="297" r:id="rId17"/>
-    <p:sldId id="298" r:id="rId18"/>
-    <p:sldId id="299" r:id="rId19"/>
-    <p:sldId id="270" r:id="rId20"/>
-    <p:sldId id="271" r:id="rId21"/>
-    <p:sldId id="300" r:id="rId22"/>
-    <p:sldId id="272" r:id="rId23"/>
+    <p:sldId id="266" r:id="rId8"/>
+    <p:sldId id="283" r:id="rId9"/>
+    <p:sldId id="289" r:id="rId10"/>
+    <p:sldId id="267" r:id="rId11"/>
+    <p:sldId id="284" r:id="rId12"/>
+    <p:sldId id="288" r:id="rId13"/>
+    <p:sldId id="268" r:id="rId14"/>
+    <p:sldId id="269" r:id="rId15"/>
+    <p:sldId id="297" r:id="rId16"/>
+    <p:sldId id="298" r:id="rId17"/>
+    <p:sldId id="299" r:id="rId18"/>
+    <p:sldId id="270" r:id="rId19"/>
+    <p:sldId id="271" r:id="rId20"/>
+    <p:sldId id="300" r:id="rId21"/>
+    <p:sldId id="272" r:id="rId22"/>
+    <p:sldId id="302" r:id="rId23"/>
     <p:sldId id="273" r:id="rId24"/>
     <p:sldId id="274" r:id="rId25"/>
     <p:sldId id="286" r:id="rId26"/>
@@ -44,7 +44,8 @@
     <p:sldId id="295" r:id="rId38"/>
     <p:sldId id="281" r:id="rId39"/>
     <p:sldId id="294" r:id="rId40"/>
-    <p:sldId id="282" r:id="rId41"/>
+    <p:sldId id="301" r:id="rId41"/>
+    <p:sldId id="282" r:id="rId42"/>
   </p:sldIdLst>
   <p:sldSz cx="12192000" cy="6858000"/>
   <p:notesSz cx="6858000" cy="9144000"/>
@@ -4264,7 +4265,9 @@
           <p:nvPr/>
         </p:nvPicPr>
         <p:blipFill>
-          <a:blip r:embed="rId2"/>
+          <a:blip r:embed="rId2">
+            <a:alphaModFix amt="50000"/>
+          </a:blip>
           <a:srcRect t="15730"/>
           <a:stretch/>
         </p:blipFill>
@@ -4296,66 +4299,131 @@
         </p:nvSpPr>
         <p:spPr>
           <a:xfrm>
-            <a:off x="858415" y="401218"/>
-            <a:ext cx="3937519" cy="531844"/>
+            <a:off x="438540" y="542150"/>
+            <a:ext cx="5038530" cy="549532"/>
           </a:xfrm>
         </p:spPr>
         <p:txBody>
           <a:bodyPr>
-            <a:normAutofit fontScale="90000"/>
+            <a:normAutofit/>
           </a:bodyPr>
           <a:lstStyle/>
           <a:p>
             <a:r>
-              <a:rPr lang="en-US" sz="2400" b="1" dirty="0">
+              <a:rPr lang="en-US" sz="2800" b="1">
                 <a:latin typeface="Times New Roman" panose="02020603050405020304" pitchFamily="18" charset="0"/>
                 <a:cs typeface="Times New Roman" panose="02020603050405020304" pitchFamily="18" charset="0"/>
               </a:rPr>
-              <a:t>ADMIN DASHBOARD PAGE</a:t>
+              <a:t>MODULE DESCRIPTION</a:t>
             </a:r>
           </a:p>
         </p:txBody>
       </p:sp>
-      <p:pic>
-        <p:nvPicPr>
-          <p:cNvPr id="5" name="Picture 4" descr="A screenshot of a computer&#10;&#10;Description automatically generated">
-            <a:extLst>
-              <a:ext uri="{FF2B5EF4-FFF2-40B4-BE49-F238E27FC236}">
-                <a16:creationId xmlns:a16="http://schemas.microsoft.com/office/drawing/2014/main" id="{313E6DAD-780F-18FD-AAA9-BDD00B92D485}"/>
-              </a:ext>
-            </a:extLst>
-          </p:cNvPr>
-          <p:cNvPicPr>
-            <a:picLocks noChangeAspect="1"/>
-          </p:cNvPicPr>
-          <p:nvPr/>
-        </p:nvPicPr>
-        <p:blipFill>
-          <a:blip r:embed="rId3">
-            <a:extLst>
-              <a:ext uri="{28A0092B-C50C-407E-A947-70E740481C1C}">
-                <a14:useLocalDpi xmlns:a14="http://schemas.microsoft.com/office/drawing/2010/main" val="0"/>
-              </a:ext>
-            </a:extLst>
-          </a:blip>
-          <a:stretch>
-            <a:fillRect/>
-          </a:stretch>
-        </p:blipFill>
+      <p:sp>
+        <p:nvSpPr>
+          <p:cNvPr id="3" name="Subtitle 2">
+            <a:extLst>
+              <a:ext uri="{FF2B5EF4-FFF2-40B4-BE49-F238E27FC236}">
+                <a16:creationId xmlns:a16="http://schemas.microsoft.com/office/drawing/2014/main" id="{9DB37C88-5779-4DDA-D5D4-84CC9D897578}"/>
+              </a:ext>
+            </a:extLst>
+          </p:cNvPr>
+          <p:cNvSpPr>
+            <a:spLocks noGrp="1"/>
+          </p:cNvSpPr>
+          <p:nvPr>
+            <p:ph type="subTitle" idx="1"/>
+          </p:nvPr>
+        </p:nvSpPr>
         <p:spPr>
           <a:xfrm>
-            <a:off x="858415" y="1334269"/>
-            <a:ext cx="10226351" cy="4930005"/>
+            <a:off x="793102" y="1436914"/>
+            <a:ext cx="10030407" cy="3545634"/>
           </a:xfrm>
-          <a:prstGeom prst="rect">
-            <a:avLst/>
-          </a:prstGeom>
+          <a:ln>
+            <a:noFill/>
+          </a:ln>
         </p:spPr>
-      </p:pic>
+        <p:txBody>
+          <a:bodyPr>
+            <a:normAutofit/>
+          </a:bodyPr>
+          <a:lstStyle/>
+          <a:p>
+            <a:pPr marL="457200" indent="-457200" algn="l">
+              <a:lnSpc>
+                <a:spcPct val="150000"/>
+              </a:lnSpc>
+              <a:buAutoNum type="arabicPeriod" startAt="2"/>
+            </a:pPr>
+            <a:r>
+              <a:rPr lang="en-US" sz="2000" b="1">
+                <a:latin typeface="Times New Roman" panose="02020603050405020304" pitchFamily="18" charset="0"/>
+                <a:cs typeface="Times New Roman" panose="02020603050405020304" pitchFamily="18" charset="0"/>
+              </a:rPr>
+              <a:t>Create Admin Account</a:t>
+            </a:r>
+          </a:p>
+          <a:p>
+            <a:pPr marL="342900" indent="-342900" algn="l" rtl="0">
+              <a:lnSpc>
+                <a:spcPct val="150000"/>
+              </a:lnSpc>
+              <a:buFont typeface="Wingdings" panose="05000000000000000000" pitchFamily="2" charset="2"/>
+              <a:buChar char="Ø"/>
+            </a:pPr>
+            <a:r>
+              <a:rPr lang="en-US" sz="2000">
+                <a:latin typeface="Times New Roman" panose="02020603050405020304" pitchFamily="18" charset="0"/>
+                <a:cs typeface="Times New Roman" panose="02020603050405020304" pitchFamily="18" charset="0"/>
+              </a:rPr>
+              <a:t>Admins have the ability to create new admin accounts, ensuring that multiple administrators can manage the platform.</a:t>
+            </a:r>
+          </a:p>
+          <a:p>
+            <a:pPr marL="342900" indent="-342900" algn="l" rtl="0">
+              <a:lnSpc>
+                <a:spcPct val="150000"/>
+              </a:lnSpc>
+              <a:buFont typeface="Wingdings" panose="05000000000000000000" pitchFamily="2" charset="2"/>
+              <a:buChar char="Ø"/>
+            </a:pPr>
+            <a:r>
+              <a:rPr lang="en-US" sz="2000">
+                <a:latin typeface="Times New Roman" panose="02020603050405020304" pitchFamily="18" charset="0"/>
+                <a:cs typeface="Times New Roman" panose="02020603050405020304" pitchFamily="18" charset="0"/>
+              </a:rPr>
+              <a:t>Admins need to fill in the required details (username, email, password) to create another admin.</a:t>
+            </a:r>
+          </a:p>
+          <a:p>
+            <a:pPr marL="342900" indent="-342900" algn="l" rtl="0">
+              <a:lnSpc>
+                <a:spcPct val="150000"/>
+              </a:lnSpc>
+              <a:buFont typeface="Wingdings" panose="05000000000000000000" pitchFamily="2" charset="2"/>
+              <a:buChar char="Ø"/>
+            </a:pPr>
+            <a:r>
+              <a:rPr lang="en-US" sz="2000">
+                <a:latin typeface="Times New Roman" panose="02020603050405020304" pitchFamily="18" charset="0"/>
+                <a:cs typeface="Times New Roman" panose="02020603050405020304" pitchFamily="18" charset="0"/>
+              </a:rPr>
+              <a:t>Admin account creation can be restricted based on predefined roles and privileges.</a:t>
+            </a:r>
+          </a:p>
+          <a:p>
+            <a:endParaRPr lang="en-US" b="1">
+              <a:latin typeface="Times New Roman" panose="02020603050405020304" pitchFamily="18" charset="0"/>
+              <a:cs typeface="Times New Roman" panose="02020603050405020304" pitchFamily="18" charset="0"/>
+            </a:endParaRPr>
+          </a:p>
+        </p:txBody>
+      </p:sp>
     </p:spTree>
     <p:extLst>
       <p:ext uri="{BB962C8B-B14F-4D97-AF65-F5344CB8AC3E}">
-        <p14:creationId xmlns:p14="http://schemas.microsoft.com/office/powerpoint/2010/main" val="3781796113"/>
+        <p14:creationId xmlns:p14="http://schemas.microsoft.com/office/powerpoint/2010/main" val="710493189"/>
       </p:ext>
     </p:extLst>
   </p:cSld>
@@ -4489,9 +4557,7 @@
           <p:nvPr/>
         </p:nvPicPr>
         <p:blipFill>
-          <a:blip r:embed="rId2">
-            <a:alphaModFix amt="50000"/>
-          </a:blip>
+          <a:blip r:embed="rId2"/>
           <a:srcRect t="15730"/>
           <a:stretch/>
         </p:blipFill>
@@ -4523,8 +4589,8 @@
         </p:nvSpPr>
         <p:spPr>
           <a:xfrm>
-            <a:off x="438540" y="542150"/>
-            <a:ext cx="5038530" cy="549532"/>
+            <a:off x="951722" y="223935"/>
+            <a:ext cx="4805266" cy="709127"/>
           </a:xfrm>
         </p:spPr>
         <p:txBody>
@@ -4534,120 +4600,55 @@
           <a:lstStyle/>
           <a:p>
             <a:r>
-              <a:rPr lang="en-US" sz="2800" b="1">
+              <a:rPr lang="en-US" sz="2400" b="1" dirty="0">
                 <a:latin typeface="Times New Roman" panose="02020603050405020304" pitchFamily="18" charset="0"/>
                 <a:cs typeface="Times New Roman" panose="02020603050405020304" pitchFamily="18" charset="0"/>
               </a:rPr>
-              <a:t>MODULE DESCRIPTION</a:t>
+              <a:t>ADMIN REGISTRATION PAGE</a:t>
             </a:r>
           </a:p>
         </p:txBody>
       </p:sp>
-      <p:sp>
-        <p:nvSpPr>
-          <p:cNvPr id="3" name="Subtitle 2">
-            <a:extLst>
-              <a:ext uri="{FF2B5EF4-FFF2-40B4-BE49-F238E27FC236}">
-                <a16:creationId xmlns:a16="http://schemas.microsoft.com/office/drawing/2014/main" id="{9DB37C88-5779-4DDA-D5D4-84CC9D897578}"/>
-              </a:ext>
-            </a:extLst>
-          </p:cNvPr>
-          <p:cNvSpPr>
-            <a:spLocks noGrp="1"/>
-          </p:cNvSpPr>
-          <p:nvPr>
-            <p:ph type="subTitle" idx="1"/>
-          </p:nvPr>
-        </p:nvSpPr>
+      <p:pic>
+        <p:nvPicPr>
+          <p:cNvPr id="5" name="Picture 4" descr="A screenshot of a computer&#10;&#10;Description automatically generated">
+            <a:extLst>
+              <a:ext uri="{FF2B5EF4-FFF2-40B4-BE49-F238E27FC236}">
+                <a16:creationId xmlns:a16="http://schemas.microsoft.com/office/drawing/2014/main" id="{D44BCF19-08C0-AF24-5645-BF20ADF79EFF}"/>
+              </a:ext>
+            </a:extLst>
+          </p:cNvPr>
+          <p:cNvPicPr>
+            <a:picLocks noChangeAspect="1"/>
+          </p:cNvPicPr>
+          <p:nvPr/>
+        </p:nvPicPr>
+        <p:blipFill>
+          <a:blip r:embed="rId3">
+            <a:extLst>
+              <a:ext uri="{28A0092B-C50C-407E-A947-70E740481C1C}">
+                <a14:useLocalDpi xmlns:a14="http://schemas.microsoft.com/office/drawing/2010/main" val="0"/>
+              </a:ext>
+            </a:extLst>
+          </a:blip>
+          <a:stretch>
+            <a:fillRect/>
+          </a:stretch>
+        </p:blipFill>
         <p:spPr>
           <a:xfrm>
-            <a:off x="793102" y="1436914"/>
-            <a:ext cx="10030407" cy="3545634"/>
+            <a:off x="1017037" y="1399592"/>
+            <a:ext cx="9386596" cy="4982547"/>
           </a:xfrm>
-          <a:ln>
-            <a:noFill/>
-          </a:ln>
+          <a:prstGeom prst="rect">
+            <a:avLst/>
+          </a:prstGeom>
         </p:spPr>
-        <p:txBody>
-          <a:bodyPr>
-            <a:normAutofit/>
-          </a:bodyPr>
-          <a:lstStyle/>
-          <a:p>
-            <a:pPr marL="457200" indent="-457200" algn="l">
-              <a:lnSpc>
-                <a:spcPct val="150000"/>
-              </a:lnSpc>
-              <a:buAutoNum type="arabicPeriod" startAt="2"/>
-            </a:pPr>
-            <a:r>
-              <a:rPr lang="en-US" sz="2000" b="1">
-                <a:latin typeface="Times New Roman" panose="02020603050405020304" pitchFamily="18" charset="0"/>
-                <a:cs typeface="Times New Roman" panose="02020603050405020304" pitchFamily="18" charset="0"/>
-              </a:rPr>
-              <a:t>Create Admin Account</a:t>
-            </a:r>
-          </a:p>
-          <a:p>
-            <a:pPr marL="342900" indent="-342900" algn="l" rtl="0">
-              <a:lnSpc>
-                <a:spcPct val="150000"/>
-              </a:lnSpc>
-              <a:buFont typeface="Wingdings" panose="05000000000000000000" pitchFamily="2" charset="2"/>
-              <a:buChar char="Ø"/>
-            </a:pPr>
-            <a:r>
-              <a:rPr lang="en-US" sz="2000">
-                <a:latin typeface="Times New Roman" panose="02020603050405020304" pitchFamily="18" charset="0"/>
-                <a:cs typeface="Times New Roman" panose="02020603050405020304" pitchFamily="18" charset="0"/>
-              </a:rPr>
-              <a:t>Admins have the ability to create new admin accounts, ensuring that multiple administrators can manage the platform.</a:t>
-            </a:r>
-          </a:p>
-          <a:p>
-            <a:pPr marL="342900" indent="-342900" algn="l" rtl="0">
-              <a:lnSpc>
-                <a:spcPct val="150000"/>
-              </a:lnSpc>
-              <a:buFont typeface="Wingdings" panose="05000000000000000000" pitchFamily="2" charset="2"/>
-              <a:buChar char="Ø"/>
-            </a:pPr>
-            <a:r>
-              <a:rPr lang="en-US" sz="2000">
-                <a:latin typeface="Times New Roman" panose="02020603050405020304" pitchFamily="18" charset="0"/>
-                <a:cs typeface="Times New Roman" panose="02020603050405020304" pitchFamily="18" charset="0"/>
-              </a:rPr>
-              <a:t>Admins need to fill in the required details (username, email, password) to create another admin.</a:t>
-            </a:r>
-          </a:p>
-          <a:p>
-            <a:pPr marL="342900" indent="-342900" algn="l" rtl="0">
-              <a:lnSpc>
-                <a:spcPct val="150000"/>
-              </a:lnSpc>
-              <a:buFont typeface="Wingdings" panose="05000000000000000000" pitchFamily="2" charset="2"/>
-              <a:buChar char="Ø"/>
-            </a:pPr>
-            <a:r>
-              <a:rPr lang="en-US" sz="2000">
-                <a:latin typeface="Times New Roman" panose="02020603050405020304" pitchFamily="18" charset="0"/>
-                <a:cs typeface="Times New Roman" panose="02020603050405020304" pitchFamily="18" charset="0"/>
-              </a:rPr>
-              <a:t>Admin account creation can be restricted based on predefined roles and privileges.</a:t>
-            </a:r>
-          </a:p>
-          <a:p>
-            <a:endParaRPr lang="en-US" b="1">
-              <a:latin typeface="Times New Roman" panose="02020603050405020304" pitchFamily="18" charset="0"/>
-              <a:cs typeface="Times New Roman" panose="02020603050405020304" pitchFamily="18" charset="0"/>
-            </a:endParaRPr>
-          </a:p>
-        </p:txBody>
-      </p:sp>
+      </p:pic>
     </p:spTree>
     <p:extLst>
       <p:ext uri="{BB962C8B-B14F-4D97-AF65-F5344CB8AC3E}">
-        <p14:creationId xmlns:p14="http://schemas.microsoft.com/office/powerpoint/2010/main" val="710493189"/>
+        <p14:creationId xmlns:p14="http://schemas.microsoft.com/office/powerpoint/2010/main" val="1331796323"/>
       </p:ext>
     </p:extLst>
   </p:cSld>
@@ -4813,8 +4814,8 @@
         </p:nvSpPr>
         <p:spPr>
           <a:xfrm>
-            <a:off x="951722" y="223935"/>
-            <a:ext cx="4805266" cy="709127"/>
+            <a:off x="877078" y="401218"/>
+            <a:ext cx="5047861" cy="531844"/>
           </a:xfrm>
         </p:spPr>
         <p:txBody>
@@ -4838,7 +4839,7 @@
           <p:cNvPr id="5" name="Picture 4" descr="A screenshot of a computer&#10;&#10;Description automatically generated">
             <a:extLst>
               <a:ext uri="{FF2B5EF4-FFF2-40B4-BE49-F238E27FC236}">
-                <a16:creationId xmlns:a16="http://schemas.microsoft.com/office/drawing/2014/main" id="{D44BCF19-08C0-AF24-5645-BF20ADF79EFF}"/>
+                <a16:creationId xmlns:a16="http://schemas.microsoft.com/office/drawing/2014/main" id="{EB0A6D74-7E9F-E5E1-EA5F-EA138DA7EBDA}"/>
               </a:ext>
             </a:extLst>
           </p:cNvPr>
@@ -4861,8 +4862,8 @@
         </p:blipFill>
         <p:spPr>
           <a:xfrm>
-            <a:off x="1017037" y="1399592"/>
-            <a:ext cx="9386596" cy="4982547"/>
+            <a:off x="1082352" y="1175657"/>
+            <a:ext cx="10310326" cy="5029200"/>
           </a:xfrm>
           <a:prstGeom prst="rect">
             <a:avLst/>
@@ -4872,7 +4873,7 @@
     </p:spTree>
     <p:extLst>
       <p:ext uri="{BB962C8B-B14F-4D97-AF65-F5344CB8AC3E}">
-        <p14:creationId xmlns:p14="http://schemas.microsoft.com/office/powerpoint/2010/main" val="1331796323"/>
+        <p14:creationId xmlns:p14="http://schemas.microsoft.com/office/powerpoint/2010/main" val="1074558845"/>
       </p:ext>
     </p:extLst>
   </p:cSld>
@@ -5006,7 +5007,9 @@
           <p:nvPr/>
         </p:nvPicPr>
         <p:blipFill>
-          <a:blip r:embed="rId2"/>
+          <a:blip r:embed="rId2">
+            <a:alphaModFix amt="50000"/>
+          </a:blip>
           <a:srcRect t="15730"/>
           <a:stretch/>
         </p:blipFill>
@@ -5038,8 +5041,8 @@
         </p:nvSpPr>
         <p:spPr>
           <a:xfrm>
-            <a:off x="877078" y="401218"/>
-            <a:ext cx="5047861" cy="531844"/>
+            <a:off x="438540" y="542150"/>
+            <a:ext cx="5038530" cy="549532"/>
           </a:xfrm>
         </p:spPr>
         <p:txBody>
@@ -5049,55 +5052,156 @@
           <a:lstStyle/>
           <a:p>
             <a:r>
-              <a:rPr lang="en-US" sz="2400" b="1" dirty="0">
+              <a:rPr lang="en-US" sz="2800" b="1">
                 <a:latin typeface="Times New Roman" panose="02020603050405020304" pitchFamily="18" charset="0"/>
                 <a:cs typeface="Times New Roman" panose="02020603050405020304" pitchFamily="18" charset="0"/>
               </a:rPr>
-              <a:t>ADMIN REGISTRATION PAGE</a:t>
+              <a:t>MODULE DESCRIPTION</a:t>
             </a:r>
           </a:p>
         </p:txBody>
       </p:sp>
-      <p:pic>
-        <p:nvPicPr>
-          <p:cNvPr id="5" name="Picture 4" descr="A screenshot of a computer&#10;&#10;Description automatically generated">
-            <a:extLst>
-              <a:ext uri="{FF2B5EF4-FFF2-40B4-BE49-F238E27FC236}">
-                <a16:creationId xmlns:a16="http://schemas.microsoft.com/office/drawing/2014/main" id="{EB0A6D74-7E9F-E5E1-EA5F-EA138DA7EBDA}"/>
-              </a:ext>
-            </a:extLst>
-          </p:cNvPr>
-          <p:cNvPicPr>
-            <a:picLocks noChangeAspect="1"/>
-          </p:cNvPicPr>
-          <p:nvPr/>
-        </p:nvPicPr>
-        <p:blipFill>
-          <a:blip r:embed="rId3">
-            <a:extLst>
-              <a:ext uri="{28A0092B-C50C-407E-A947-70E740481C1C}">
-                <a14:useLocalDpi xmlns:a14="http://schemas.microsoft.com/office/drawing/2010/main" val="0"/>
-              </a:ext>
-            </a:extLst>
-          </a:blip>
-          <a:stretch>
-            <a:fillRect/>
-          </a:stretch>
-        </p:blipFill>
+      <p:sp>
+        <p:nvSpPr>
+          <p:cNvPr id="3" name="Subtitle 2">
+            <a:extLst>
+              <a:ext uri="{FF2B5EF4-FFF2-40B4-BE49-F238E27FC236}">
+                <a16:creationId xmlns:a16="http://schemas.microsoft.com/office/drawing/2014/main" id="{9DB37C88-5779-4DDA-D5D4-84CC9D897578}"/>
+              </a:ext>
+            </a:extLst>
+          </p:cNvPr>
+          <p:cNvSpPr>
+            <a:spLocks noGrp="1"/>
+          </p:cNvSpPr>
+          <p:nvPr>
+            <p:ph type="subTitle" idx="1"/>
+          </p:nvPr>
+        </p:nvSpPr>
         <p:spPr>
           <a:xfrm>
-            <a:off x="1082352" y="1175657"/>
-            <a:ext cx="10310326" cy="5029200"/>
+            <a:off x="793102" y="1436913"/>
+            <a:ext cx="10030407" cy="4457859"/>
           </a:xfrm>
-          <a:prstGeom prst="rect">
-            <a:avLst/>
-          </a:prstGeom>
+          <a:ln>
+            <a:noFill/>
+          </a:ln>
         </p:spPr>
-      </p:pic>
+        <p:txBody>
+          <a:bodyPr>
+            <a:normAutofit/>
+          </a:bodyPr>
+          <a:lstStyle/>
+          <a:p>
+            <a:pPr algn="l">
+              <a:lnSpc>
+                <a:spcPct val="150000"/>
+              </a:lnSpc>
+            </a:pPr>
+            <a:r>
+              <a:rPr lang="en-US" sz="2000" b="1">
+                <a:latin typeface="Times New Roman" panose="02020603050405020304" pitchFamily="18" charset="0"/>
+                <a:cs typeface="Times New Roman" panose="02020603050405020304" pitchFamily="18" charset="0"/>
+              </a:rPr>
+              <a:t>3.   View/Update/Delete customer</a:t>
+            </a:r>
+          </a:p>
+          <a:p>
+            <a:pPr marL="342900" indent="-342900" algn="l" rtl="0">
+              <a:lnSpc>
+                <a:spcPct val="150000"/>
+              </a:lnSpc>
+              <a:buFont typeface="Wingdings" panose="05000000000000000000" pitchFamily="2" charset="2"/>
+              <a:buChar char="Ø"/>
+            </a:pPr>
+            <a:r>
+              <a:rPr lang="en-US" sz="2000" b="1">
+                <a:latin typeface="Times New Roman" panose="02020603050405020304" pitchFamily="18" charset="0"/>
+                <a:cs typeface="Times New Roman" panose="02020603050405020304" pitchFamily="18" charset="0"/>
+              </a:rPr>
+              <a:t>View:</a:t>
+            </a:r>
+            <a:r>
+              <a:rPr lang="en-US" sz="2000">
+                <a:latin typeface="Times New Roman" panose="02020603050405020304" pitchFamily="18" charset="0"/>
+                <a:cs typeface="Times New Roman" panose="02020603050405020304" pitchFamily="18" charset="0"/>
+              </a:rPr>
+              <a:t> Admins can access a list of all registered customers, including their personal information and associated policies.</a:t>
+            </a:r>
+          </a:p>
+          <a:p>
+            <a:pPr marL="342900" indent="-342900" algn="l" rtl="0">
+              <a:lnSpc>
+                <a:spcPct val="150000"/>
+              </a:lnSpc>
+              <a:buFont typeface="Wingdings" panose="05000000000000000000" pitchFamily="2" charset="2"/>
+              <a:buChar char="Ø"/>
+            </a:pPr>
+            <a:r>
+              <a:rPr lang="en-US" sz="2000" b="1">
+                <a:latin typeface="Times New Roman" panose="02020603050405020304" pitchFamily="18" charset="0"/>
+                <a:cs typeface="Times New Roman" panose="02020603050405020304" pitchFamily="18" charset="0"/>
+              </a:rPr>
+              <a:t>Update:</a:t>
+            </a:r>
+            <a:r>
+              <a:rPr lang="en-US" sz="2000">
+                <a:latin typeface="Times New Roman" panose="02020603050405020304" pitchFamily="18" charset="0"/>
+                <a:cs typeface="Times New Roman" panose="02020603050405020304" pitchFamily="18" charset="0"/>
+              </a:rPr>
+              <a:t> Admins can update customer information if needed, such as changing address or contact details.</a:t>
+            </a:r>
+          </a:p>
+          <a:p>
+            <a:pPr marL="342900" indent="-342900" algn="l" rtl="0">
+              <a:lnSpc>
+                <a:spcPct val="150000"/>
+              </a:lnSpc>
+              <a:buFont typeface="Wingdings" panose="05000000000000000000" pitchFamily="2" charset="2"/>
+              <a:buChar char="Ø"/>
+            </a:pPr>
+            <a:r>
+              <a:rPr lang="en-US" sz="2000" b="1">
+                <a:latin typeface="Times New Roman" panose="02020603050405020304" pitchFamily="18" charset="0"/>
+                <a:cs typeface="Times New Roman" panose="02020603050405020304" pitchFamily="18" charset="0"/>
+              </a:rPr>
+              <a:t>Delete:</a:t>
+            </a:r>
+            <a:r>
+              <a:rPr lang="en-US" sz="2000">
+                <a:latin typeface="Times New Roman" panose="02020603050405020304" pitchFamily="18" charset="0"/>
+                <a:cs typeface="Times New Roman" panose="02020603050405020304" pitchFamily="18" charset="0"/>
+              </a:rPr>
+              <a:t> Admins can remove customer records from the system.</a:t>
+            </a:r>
+          </a:p>
+          <a:p>
+            <a:pPr marL="342900" indent="-342900" algn="l" rtl="0">
+              <a:lnSpc>
+                <a:spcPct val="150000"/>
+              </a:lnSpc>
+              <a:buFont typeface="Wingdings" panose="05000000000000000000" pitchFamily="2" charset="2"/>
+              <a:buChar char="Ø"/>
+            </a:pPr>
+            <a:r>
+              <a:rPr lang="en-US" sz="2000">
+                <a:latin typeface="Times New Roman" panose="02020603050405020304" pitchFamily="18" charset="0"/>
+                <a:cs typeface="Times New Roman" panose="02020603050405020304" pitchFamily="18" charset="0"/>
+              </a:rPr>
+              <a:t>A customer management dashboard showing customer details with edit and delete functionalities.</a:t>
+            </a:r>
+          </a:p>
+          <a:p>
+            <a:endParaRPr lang="en-US" b="1">
+              <a:latin typeface="Times New Roman" panose="02020603050405020304" pitchFamily="18" charset="0"/>
+              <a:cs typeface="Times New Roman" panose="02020603050405020304" pitchFamily="18" charset="0"/>
+            </a:endParaRPr>
+          </a:p>
+        </p:txBody>
+      </p:sp>
     </p:spTree>
     <p:extLst>
       <p:ext uri="{BB962C8B-B14F-4D97-AF65-F5344CB8AC3E}">
-        <p14:creationId xmlns:p14="http://schemas.microsoft.com/office/powerpoint/2010/main" val="1074558845"/>
+        <p14:creationId xmlns:p14="http://schemas.microsoft.com/office/powerpoint/2010/main" val="1018162797"/>
       </p:ext>
     </p:extLst>
   </p:cSld>
@@ -5303,8 +5407,8 @@
         </p:nvSpPr>
         <p:spPr>
           <a:xfrm>
-            <a:off x="793102" y="1436913"/>
-            <a:ext cx="10030407" cy="4457859"/>
+            <a:off x="793102" y="1287263"/>
+            <a:ext cx="10030407" cy="4607510"/>
           </a:xfrm>
           <a:ln>
             <a:noFill/>
@@ -5316,6 +5420,13 @@
           </a:bodyPr>
           <a:lstStyle/>
           <a:p>
+            <a:pPr algn="l"/>
+            <a:endParaRPr lang="en-US" sz="2000" b="1">
+              <a:latin typeface="Times New Roman" panose="02020603050405020304" pitchFamily="18" charset="0"/>
+              <a:cs typeface="Times New Roman" panose="02020603050405020304" pitchFamily="18" charset="0"/>
+            </a:endParaRPr>
+          </a:p>
+          <a:p>
             <a:pPr algn="l">
               <a:lnSpc>
                 <a:spcPct val="150000"/>
@@ -5326,7 +5437,7 @@
                 <a:latin typeface="Times New Roman" panose="02020603050405020304" pitchFamily="18" charset="0"/>
                 <a:cs typeface="Times New Roman" panose="02020603050405020304" pitchFamily="18" charset="0"/>
               </a:rPr>
-              <a:t>3.   View/Update/Delete customer</a:t>
+              <a:t>4.   View/Add/Update/Delete policy category like Life, Health, Motor, Travel </a:t>
             </a:r>
           </a:p>
           <a:p>
@@ -5342,14 +5453,14 @@
                 <a:latin typeface="Times New Roman" panose="02020603050405020304" pitchFamily="18" charset="0"/>
                 <a:cs typeface="Times New Roman" panose="02020603050405020304" pitchFamily="18" charset="0"/>
               </a:rPr>
-              <a:t>View:</a:t>
+              <a:t>View: </a:t>
             </a:r>
             <a:r>
               <a:rPr lang="en-US" sz="2000">
                 <a:latin typeface="Times New Roman" panose="02020603050405020304" pitchFamily="18" charset="0"/>
                 <a:cs typeface="Times New Roman" panose="02020603050405020304" pitchFamily="18" charset="0"/>
               </a:rPr>
-              <a:t> Admins can access a list of all registered customers, including their personal information and associated policies.</a:t>
+              <a:t>Admins can see all existing policy categories (e.g., Life, Health, Motor, Travel).</a:t>
             </a:r>
           </a:p>
           <a:p>
@@ -5365,14 +5476,14 @@
                 <a:latin typeface="Times New Roman" panose="02020603050405020304" pitchFamily="18" charset="0"/>
                 <a:cs typeface="Times New Roman" panose="02020603050405020304" pitchFamily="18" charset="0"/>
               </a:rPr>
-              <a:t>Update:</a:t>
+              <a:t>Add: </a:t>
             </a:r>
             <a:r>
               <a:rPr lang="en-US" sz="2000">
                 <a:latin typeface="Times New Roman" panose="02020603050405020304" pitchFamily="18" charset="0"/>
                 <a:cs typeface="Times New Roman" panose="02020603050405020304" pitchFamily="18" charset="0"/>
               </a:rPr>
-              <a:t> Admins can update customer information if needed, such as changing address or contact details.</a:t>
+              <a:t>Admins can add new categories (e.g., Home, Education) as the insurance offerings expand.</a:t>
             </a:r>
           </a:p>
           <a:p>
@@ -5388,14 +5499,14 @@
                 <a:latin typeface="Times New Roman" panose="02020603050405020304" pitchFamily="18" charset="0"/>
                 <a:cs typeface="Times New Roman" panose="02020603050405020304" pitchFamily="18" charset="0"/>
               </a:rPr>
-              <a:t>Delete:</a:t>
+              <a:t>Update/Delete: </a:t>
             </a:r>
             <a:r>
               <a:rPr lang="en-US" sz="2000">
                 <a:latin typeface="Times New Roman" panose="02020603050405020304" pitchFamily="18" charset="0"/>
                 <a:cs typeface="Times New Roman" panose="02020603050405020304" pitchFamily="18" charset="0"/>
               </a:rPr>
-              <a:t> Admins can remove customer records from the system.</a:t>
+              <a:t>Existing categories can be updated or deleted as required.</a:t>
             </a:r>
           </a:p>
           <a:p>
@@ -5411,7 +5522,7 @@
                 <a:latin typeface="Times New Roman" panose="02020603050405020304" pitchFamily="18" charset="0"/>
                 <a:cs typeface="Times New Roman" panose="02020603050405020304" pitchFamily="18" charset="0"/>
               </a:rPr>
-              <a:t>A customer management dashboard showing customer details with edit and delete functionalities.</a:t>
+              <a:t>A category management page where admins can manage categories and subcategories.</a:t>
             </a:r>
           </a:p>
           <a:p>
@@ -5425,7 +5536,7 @@
     </p:spTree>
     <p:extLst>
       <p:ext uri="{BB962C8B-B14F-4D97-AF65-F5344CB8AC3E}">
-        <p14:creationId xmlns:p14="http://schemas.microsoft.com/office/powerpoint/2010/main" val="1018162797"/>
+        <p14:creationId xmlns:p14="http://schemas.microsoft.com/office/powerpoint/2010/main" val="2081962469"/>
       </p:ext>
     </p:extLst>
   </p:cSld>
@@ -5559,9 +5670,7 @@
           <p:nvPr/>
         </p:nvPicPr>
         <p:blipFill>
-          <a:blip r:embed="rId2">
-            <a:alphaModFix amt="50000"/>
-          </a:blip>
+          <a:blip r:embed="rId2"/>
           <a:srcRect t="15730"/>
           <a:stretch/>
         </p:blipFill>
@@ -5593,8 +5702,8 @@
         </p:nvSpPr>
         <p:spPr>
           <a:xfrm>
-            <a:off x="438540" y="542150"/>
-            <a:ext cx="5038530" cy="549532"/>
+            <a:off x="970384" y="401218"/>
+            <a:ext cx="3181739" cy="531844"/>
           </a:xfrm>
         </p:spPr>
         <p:txBody>
@@ -5604,163 +5713,55 @@
           <a:lstStyle/>
           <a:p>
             <a:r>
-              <a:rPr lang="en-US" sz="2800" b="1">
+              <a:rPr lang="en-US" sz="2400" b="1" dirty="0">
                 <a:latin typeface="Times New Roman" panose="02020603050405020304" pitchFamily="18" charset="0"/>
                 <a:cs typeface="Times New Roman" panose="02020603050405020304" pitchFamily="18" charset="0"/>
               </a:rPr>
-              <a:t>MODULE DESCRIPTION</a:t>
+              <a:t>ADD POLICY PAGE</a:t>
             </a:r>
           </a:p>
         </p:txBody>
       </p:sp>
-      <p:sp>
-        <p:nvSpPr>
-          <p:cNvPr id="3" name="Subtitle 2">
-            <a:extLst>
-              <a:ext uri="{FF2B5EF4-FFF2-40B4-BE49-F238E27FC236}">
-                <a16:creationId xmlns:a16="http://schemas.microsoft.com/office/drawing/2014/main" id="{9DB37C88-5779-4DDA-D5D4-84CC9D897578}"/>
-              </a:ext>
-            </a:extLst>
-          </p:cNvPr>
-          <p:cNvSpPr>
-            <a:spLocks noGrp="1"/>
-          </p:cNvSpPr>
-          <p:nvPr>
-            <p:ph type="subTitle" idx="1"/>
-          </p:nvPr>
-        </p:nvSpPr>
+      <p:pic>
+        <p:nvPicPr>
+          <p:cNvPr id="5" name="Picture 4" descr="A screenshot of a computer&#10;&#10;Description automatically generated">
+            <a:extLst>
+              <a:ext uri="{FF2B5EF4-FFF2-40B4-BE49-F238E27FC236}">
+                <a16:creationId xmlns:a16="http://schemas.microsoft.com/office/drawing/2014/main" id="{C55CE7DC-CA78-21C1-E2A9-6F3C13D826D7}"/>
+              </a:ext>
+            </a:extLst>
+          </p:cNvPr>
+          <p:cNvPicPr>
+            <a:picLocks noChangeAspect="1"/>
+          </p:cNvPicPr>
+          <p:nvPr/>
+        </p:nvPicPr>
+        <p:blipFill>
+          <a:blip r:embed="rId3">
+            <a:extLst>
+              <a:ext uri="{28A0092B-C50C-407E-A947-70E740481C1C}">
+                <a14:useLocalDpi xmlns:a14="http://schemas.microsoft.com/office/drawing/2010/main" val="0"/>
+              </a:ext>
+            </a:extLst>
+          </a:blip>
+          <a:stretch>
+            <a:fillRect/>
+          </a:stretch>
+        </p:blipFill>
         <p:spPr>
           <a:xfrm>
-            <a:off x="793102" y="1287263"/>
-            <a:ext cx="10030407" cy="4607510"/>
+            <a:off x="970384" y="1184987"/>
+            <a:ext cx="9442579" cy="5066587"/>
           </a:xfrm>
-          <a:ln>
-            <a:noFill/>
-          </a:ln>
+          <a:prstGeom prst="rect">
+            <a:avLst/>
+          </a:prstGeom>
         </p:spPr>
-        <p:txBody>
-          <a:bodyPr>
-            <a:normAutofit/>
-          </a:bodyPr>
-          <a:lstStyle/>
-          <a:p>
-            <a:pPr algn="l"/>
-            <a:endParaRPr lang="en-US" sz="2000" b="1">
-              <a:latin typeface="Times New Roman" panose="02020603050405020304" pitchFamily="18" charset="0"/>
-              <a:cs typeface="Times New Roman" panose="02020603050405020304" pitchFamily="18" charset="0"/>
-            </a:endParaRPr>
-          </a:p>
-          <a:p>
-            <a:pPr algn="l">
-              <a:lnSpc>
-                <a:spcPct val="150000"/>
-              </a:lnSpc>
-            </a:pPr>
-            <a:r>
-              <a:rPr lang="en-US" sz="2000" b="1">
-                <a:latin typeface="Times New Roman" panose="02020603050405020304" pitchFamily="18" charset="0"/>
-                <a:cs typeface="Times New Roman" panose="02020603050405020304" pitchFamily="18" charset="0"/>
-              </a:rPr>
-              <a:t>4.   View/Add/Update/Delete policy category like Life, Health, Motor, Travel </a:t>
-            </a:r>
-          </a:p>
-          <a:p>
-            <a:pPr marL="342900" indent="-342900" algn="l" rtl="0">
-              <a:lnSpc>
-                <a:spcPct val="150000"/>
-              </a:lnSpc>
-              <a:buFont typeface="Wingdings" panose="05000000000000000000" pitchFamily="2" charset="2"/>
-              <a:buChar char="Ø"/>
-            </a:pPr>
-            <a:r>
-              <a:rPr lang="en-US" sz="2000" b="1">
-                <a:latin typeface="Times New Roman" panose="02020603050405020304" pitchFamily="18" charset="0"/>
-                <a:cs typeface="Times New Roman" panose="02020603050405020304" pitchFamily="18" charset="0"/>
-              </a:rPr>
-              <a:t>View: </a:t>
-            </a:r>
-            <a:r>
-              <a:rPr lang="en-US" sz="2000">
-                <a:latin typeface="Times New Roman" panose="02020603050405020304" pitchFamily="18" charset="0"/>
-                <a:cs typeface="Times New Roman" panose="02020603050405020304" pitchFamily="18" charset="0"/>
-              </a:rPr>
-              <a:t>Admins can see all existing policy categories (e.g., Life, Health, Motor, Travel).</a:t>
-            </a:r>
-          </a:p>
-          <a:p>
-            <a:pPr marL="342900" indent="-342900" algn="l" rtl="0">
-              <a:lnSpc>
-                <a:spcPct val="150000"/>
-              </a:lnSpc>
-              <a:buFont typeface="Wingdings" panose="05000000000000000000" pitchFamily="2" charset="2"/>
-              <a:buChar char="Ø"/>
-            </a:pPr>
-            <a:r>
-              <a:rPr lang="en-US" sz="2000" b="1">
-                <a:latin typeface="Times New Roman" panose="02020603050405020304" pitchFamily="18" charset="0"/>
-                <a:cs typeface="Times New Roman" panose="02020603050405020304" pitchFamily="18" charset="0"/>
-              </a:rPr>
-              <a:t>Add: </a:t>
-            </a:r>
-            <a:r>
-              <a:rPr lang="en-US" sz="2000">
-                <a:latin typeface="Times New Roman" panose="02020603050405020304" pitchFamily="18" charset="0"/>
-                <a:cs typeface="Times New Roman" panose="02020603050405020304" pitchFamily="18" charset="0"/>
-              </a:rPr>
-              <a:t>Admins can add new categories (e.g., Home, Education) as the insurance offerings expand.</a:t>
-            </a:r>
-          </a:p>
-          <a:p>
-            <a:pPr marL="342900" indent="-342900" algn="l" rtl="0">
-              <a:lnSpc>
-                <a:spcPct val="150000"/>
-              </a:lnSpc>
-              <a:buFont typeface="Wingdings" panose="05000000000000000000" pitchFamily="2" charset="2"/>
-              <a:buChar char="Ø"/>
-            </a:pPr>
-            <a:r>
-              <a:rPr lang="en-US" sz="2000" b="1">
-                <a:latin typeface="Times New Roman" panose="02020603050405020304" pitchFamily="18" charset="0"/>
-                <a:cs typeface="Times New Roman" panose="02020603050405020304" pitchFamily="18" charset="0"/>
-              </a:rPr>
-              <a:t>Update/Delete: </a:t>
-            </a:r>
-            <a:r>
-              <a:rPr lang="en-US" sz="2000">
-                <a:latin typeface="Times New Roman" panose="02020603050405020304" pitchFamily="18" charset="0"/>
-                <a:cs typeface="Times New Roman" panose="02020603050405020304" pitchFamily="18" charset="0"/>
-              </a:rPr>
-              <a:t>Existing categories can be updated or deleted as required.</a:t>
-            </a:r>
-          </a:p>
-          <a:p>
-            <a:pPr marL="342900" indent="-342900" algn="l" rtl="0">
-              <a:lnSpc>
-                <a:spcPct val="150000"/>
-              </a:lnSpc>
-              <a:buFont typeface="Wingdings" panose="05000000000000000000" pitchFamily="2" charset="2"/>
-              <a:buChar char="Ø"/>
-            </a:pPr>
-            <a:r>
-              <a:rPr lang="en-US" sz="2000">
-                <a:latin typeface="Times New Roman" panose="02020603050405020304" pitchFamily="18" charset="0"/>
-                <a:cs typeface="Times New Roman" panose="02020603050405020304" pitchFamily="18" charset="0"/>
-              </a:rPr>
-              <a:t>A category management page where admins can manage categories and subcategories.</a:t>
-            </a:r>
-          </a:p>
-          <a:p>
-            <a:endParaRPr lang="en-US" b="1">
-              <a:latin typeface="Times New Roman" panose="02020603050405020304" pitchFamily="18" charset="0"/>
-              <a:cs typeface="Times New Roman" panose="02020603050405020304" pitchFamily="18" charset="0"/>
-            </a:endParaRPr>
-          </a:p>
-        </p:txBody>
-      </p:sp>
+      </p:pic>
     </p:spTree>
     <p:extLst>
       <p:ext uri="{BB962C8B-B14F-4D97-AF65-F5344CB8AC3E}">
-        <p14:creationId xmlns:p14="http://schemas.microsoft.com/office/powerpoint/2010/main" val="2081962469"/>
+        <p14:creationId xmlns:p14="http://schemas.microsoft.com/office/powerpoint/2010/main" val="1576387268"/>
       </p:ext>
     </p:extLst>
   </p:cSld>
@@ -5926,8 +5927,8 @@
         </p:nvSpPr>
         <p:spPr>
           <a:xfrm>
-            <a:off x="970384" y="401218"/>
-            <a:ext cx="3181739" cy="531844"/>
+            <a:off x="718456" y="401218"/>
+            <a:ext cx="3648271" cy="531844"/>
           </a:xfrm>
         </p:spPr>
         <p:txBody>
@@ -5941,7 +5942,7 @@
                 <a:latin typeface="Times New Roman" panose="02020603050405020304" pitchFamily="18" charset="0"/>
                 <a:cs typeface="Times New Roman" panose="02020603050405020304" pitchFamily="18" charset="0"/>
               </a:rPr>
-              <a:t>ADD POLICY PAGE</a:t>
+              <a:t>UPDATE POLICY PAGE</a:t>
             </a:r>
           </a:p>
         </p:txBody>
@@ -5951,7 +5952,7 @@
           <p:cNvPr id="5" name="Picture 4" descr="A screenshot of a computer&#10;&#10;Description automatically generated">
             <a:extLst>
               <a:ext uri="{FF2B5EF4-FFF2-40B4-BE49-F238E27FC236}">
-                <a16:creationId xmlns:a16="http://schemas.microsoft.com/office/drawing/2014/main" id="{C55CE7DC-CA78-21C1-E2A9-6F3C13D826D7}"/>
+                <a16:creationId xmlns:a16="http://schemas.microsoft.com/office/drawing/2014/main" id="{6C0484F4-2260-8390-814E-4F40D71FE7E4}"/>
               </a:ext>
             </a:extLst>
           </p:cNvPr>
@@ -5974,8 +5975,8 @@
         </p:blipFill>
         <p:spPr>
           <a:xfrm>
-            <a:off x="970384" y="1184987"/>
-            <a:ext cx="9442579" cy="5066587"/>
+            <a:off x="718456" y="1156996"/>
+            <a:ext cx="10366311" cy="5056479"/>
           </a:xfrm>
           <a:prstGeom prst="rect">
             <a:avLst/>
@@ -5985,7 +5986,7 @@
     </p:spTree>
     <p:extLst>
       <p:ext uri="{BB962C8B-B14F-4D97-AF65-F5344CB8AC3E}">
-        <p14:creationId xmlns:p14="http://schemas.microsoft.com/office/powerpoint/2010/main" val="1576387268"/>
+        <p14:creationId xmlns:p14="http://schemas.microsoft.com/office/powerpoint/2010/main" val="2550361889"/>
       </p:ext>
     </p:extLst>
   </p:cSld>
@@ -6151,8 +6152,8 @@
         </p:nvSpPr>
         <p:spPr>
           <a:xfrm>
-            <a:off x="718456" y="401218"/>
-            <a:ext cx="3648271" cy="531844"/>
+            <a:off x="718458" y="401218"/>
+            <a:ext cx="3844212" cy="531844"/>
           </a:xfrm>
         </p:spPr>
         <p:txBody>
@@ -6166,7 +6167,7 @@
                 <a:latin typeface="Times New Roman" panose="02020603050405020304" pitchFamily="18" charset="0"/>
                 <a:cs typeface="Times New Roman" panose="02020603050405020304" pitchFamily="18" charset="0"/>
               </a:rPr>
-              <a:t>UPDATE POLICY PAGE</a:t>
+              <a:t>DELETE POLICY PAGE</a:t>
             </a:r>
           </a:p>
         </p:txBody>
@@ -6176,7 +6177,7 @@
           <p:cNvPr id="5" name="Picture 4" descr="A screenshot of a computer&#10;&#10;Description automatically generated">
             <a:extLst>
               <a:ext uri="{FF2B5EF4-FFF2-40B4-BE49-F238E27FC236}">
-                <a16:creationId xmlns:a16="http://schemas.microsoft.com/office/drawing/2014/main" id="{6C0484F4-2260-8390-814E-4F40D71FE7E4}"/>
+                <a16:creationId xmlns:a16="http://schemas.microsoft.com/office/drawing/2014/main" id="{56619674-670E-3854-25B3-DF83DD08BB92}"/>
               </a:ext>
             </a:extLst>
           </p:cNvPr>
@@ -6199,8 +6200,8 @@
         </p:blipFill>
         <p:spPr>
           <a:xfrm>
-            <a:off x="718456" y="1156996"/>
-            <a:ext cx="10366311" cy="5056479"/>
+            <a:off x="886408" y="1147665"/>
+            <a:ext cx="10319657" cy="5059460"/>
           </a:xfrm>
           <a:prstGeom prst="rect">
             <a:avLst/>
@@ -6210,7 +6211,7 @@
     </p:spTree>
     <p:extLst>
       <p:ext uri="{BB962C8B-B14F-4D97-AF65-F5344CB8AC3E}">
-        <p14:creationId xmlns:p14="http://schemas.microsoft.com/office/powerpoint/2010/main" val="2550361889"/>
+        <p14:creationId xmlns:p14="http://schemas.microsoft.com/office/powerpoint/2010/main" val="2170658902"/>
       </p:ext>
     </p:extLst>
   </p:cSld>
@@ -6344,7 +6345,9 @@
           <p:nvPr/>
         </p:nvPicPr>
         <p:blipFill>
-          <a:blip r:embed="rId2"/>
+          <a:blip r:embed="rId2">
+            <a:alphaModFix amt="50000"/>
+          </a:blip>
           <a:srcRect t="15730"/>
           <a:stretch/>
         </p:blipFill>
@@ -6376,8 +6379,8 @@
         </p:nvSpPr>
         <p:spPr>
           <a:xfrm>
-            <a:off x="718458" y="401218"/>
-            <a:ext cx="3844212" cy="531844"/>
+            <a:off x="438540" y="542150"/>
+            <a:ext cx="5038530" cy="549532"/>
           </a:xfrm>
         </p:spPr>
         <p:txBody>
@@ -6387,55 +6390,182 @@
           <a:lstStyle/>
           <a:p>
             <a:r>
-              <a:rPr lang="en-US" sz="2400" b="1" dirty="0">
+              <a:rPr lang="en-US" sz="2800" b="1">
                 <a:latin typeface="Times New Roman" panose="02020603050405020304" pitchFamily="18" charset="0"/>
                 <a:cs typeface="Times New Roman" panose="02020603050405020304" pitchFamily="18" charset="0"/>
               </a:rPr>
-              <a:t>DELETE POLICY PAGE</a:t>
+              <a:t>MODULE DESCRIPTION</a:t>
             </a:r>
           </a:p>
         </p:txBody>
       </p:sp>
-      <p:pic>
-        <p:nvPicPr>
-          <p:cNvPr id="5" name="Picture 4" descr="A screenshot of a computer&#10;&#10;Description automatically generated">
-            <a:extLst>
-              <a:ext uri="{FF2B5EF4-FFF2-40B4-BE49-F238E27FC236}">
-                <a16:creationId xmlns:a16="http://schemas.microsoft.com/office/drawing/2014/main" id="{56619674-670E-3854-25B3-DF83DD08BB92}"/>
-              </a:ext>
-            </a:extLst>
-          </p:cNvPr>
-          <p:cNvPicPr>
-            <a:picLocks noChangeAspect="1"/>
-          </p:cNvPicPr>
-          <p:nvPr/>
-        </p:nvPicPr>
-        <p:blipFill>
-          <a:blip r:embed="rId3">
-            <a:extLst>
-              <a:ext uri="{28A0092B-C50C-407E-A947-70E740481C1C}">
-                <a14:useLocalDpi xmlns:a14="http://schemas.microsoft.com/office/drawing/2010/main" val="0"/>
-              </a:ext>
-            </a:extLst>
-          </a:blip>
-          <a:stretch>
-            <a:fillRect/>
-          </a:stretch>
-        </p:blipFill>
+      <p:sp>
+        <p:nvSpPr>
+          <p:cNvPr id="3" name="Subtitle 2">
+            <a:extLst>
+              <a:ext uri="{FF2B5EF4-FFF2-40B4-BE49-F238E27FC236}">
+                <a16:creationId xmlns:a16="http://schemas.microsoft.com/office/drawing/2014/main" id="{9DB37C88-5779-4DDA-D5D4-84CC9D897578}"/>
+              </a:ext>
+            </a:extLst>
+          </p:cNvPr>
+          <p:cNvSpPr>
+            <a:spLocks noGrp="1"/>
+          </p:cNvSpPr>
+          <p:nvPr>
+            <p:ph type="subTitle" idx="1"/>
+          </p:nvPr>
+        </p:nvSpPr>
         <p:spPr>
           <a:xfrm>
-            <a:off x="886408" y="1147665"/>
-            <a:ext cx="10319657" cy="5059460"/>
+            <a:off x="793102" y="1287262"/>
+            <a:ext cx="10312863" cy="5028587"/>
           </a:xfrm>
-          <a:prstGeom prst="rect">
-            <a:avLst/>
-          </a:prstGeom>
+          <a:ln>
+            <a:noFill/>
+          </a:ln>
         </p:spPr>
-      </p:pic>
+        <p:txBody>
+          <a:bodyPr>
+            <a:normAutofit/>
+          </a:bodyPr>
+          <a:lstStyle/>
+          <a:p>
+            <a:pPr algn="l">
+              <a:lnSpc>
+                <a:spcPct val="150000"/>
+              </a:lnSpc>
+            </a:pPr>
+            <a:r>
+              <a:rPr lang="en-US" sz="2000" b="1">
+                <a:latin typeface="Times New Roman" panose="02020603050405020304" pitchFamily="18" charset="0"/>
+                <a:cs typeface="Times New Roman" panose="02020603050405020304" pitchFamily="18" charset="0"/>
+              </a:rPr>
+              <a:t>5.   View/Add/Update/Delete /Approve policy</a:t>
+            </a:r>
+          </a:p>
+          <a:p>
+            <a:pPr marL="342900" indent="-342900" algn="l" rtl="0">
+              <a:lnSpc>
+                <a:spcPct val="150000"/>
+              </a:lnSpc>
+              <a:buFont typeface="Wingdings" panose="05000000000000000000" pitchFamily="2" charset="2"/>
+              <a:buChar char="Ø"/>
+            </a:pPr>
+            <a:r>
+              <a:rPr lang="en-US" sz="2000" b="1">
+                <a:latin typeface="Times New Roman" panose="02020603050405020304" pitchFamily="18" charset="0"/>
+                <a:cs typeface="Times New Roman" panose="02020603050405020304" pitchFamily="18" charset="0"/>
+              </a:rPr>
+              <a:t>View: </a:t>
+            </a:r>
+            <a:r>
+              <a:rPr lang="en-US" sz="2000">
+                <a:latin typeface="Times New Roman" panose="02020603050405020304" pitchFamily="18" charset="0"/>
+                <a:cs typeface="Times New Roman" panose="02020603050405020304" pitchFamily="18" charset="0"/>
+              </a:rPr>
+              <a:t>Admins can view all the policies associated with different categories.</a:t>
+            </a:r>
+          </a:p>
+          <a:p>
+            <a:pPr marL="342900" indent="-342900" algn="l" rtl="0">
+              <a:lnSpc>
+                <a:spcPct val="150000"/>
+              </a:lnSpc>
+              <a:buFont typeface="Wingdings" panose="05000000000000000000" pitchFamily="2" charset="2"/>
+              <a:buChar char="Ø"/>
+            </a:pPr>
+            <a:r>
+              <a:rPr lang="en-US" sz="2000" b="1">
+                <a:latin typeface="Times New Roman" panose="02020603050405020304" pitchFamily="18" charset="0"/>
+                <a:cs typeface="Times New Roman" panose="02020603050405020304" pitchFamily="18" charset="0"/>
+              </a:rPr>
+              <a:t>Add:</a:t>
+            </a:r>
+            <a:r>
+              <a:rPr lang="en-US" sz="2000">
+                <a:latin typeface="Times New Roman" panose="02020603050405020304" pitchFamily="18" charset="0"/>
+                <a:cs typeface="Times New Roman" panose="02020603050405020304" pitchFamily="18" charset="0"/>
+              </a:rPr>
+              <a:t> Admins can add new policies, providing details like policy name, premium, duration, and terms.</a:t>
+            </a:r>
+          </a:p>
+          <a:p>
+            <a:pPr marL="342900" indent="-342900" algn="l" rtl="0">
+              <a:lnSpc>
+                <a:spcPct val="150000"/>
+              </a:lnSpc>
+              <a:buFont typeface="Wingdings" panose="05000000000000000000" pitchFamily="2" charset="2"/>
+              <a:buChar char="Ø"/>
+            </a:pPr>
+            <a:r>
+              <a:rPr lang="en-US" sz="2000" b="1">
+                <a:latin typeface="Times New Roman" panose="02020603050405020304" pitchFamily="18" charset="0"/>
+                <a:cs typeface="Times New Roman" panose="02020603050405020304" pitchFamily="18" charset="0"/>
+              </a:rPr>
+              <a:t>Update/Delete: </a:t>
+            </a:r>
+            <a:r>
+              <a:rPr lang="en-US" sz="2000">
+                <a:latin typeface="Times New Roman" panose="02020603050405020304" pitchFamily="18" charset="0"/>
+                <a:cs typeface="Times New Roman" panose="02020603050405020304" pitchFamily="18" charset="0"/>
+              </a:rPr>
+              <a:t>Admins can modify or delete existing policies if there are changes in coverage or if the policy is no longer available.</a:t>
+            </a:r>
+          </a:p>
+          <a:p>
+            <a:pPr marL="342900" indent="-342900" algn="l" rtl="0">
+              <a:lnSpc>
+                <a:spcPct val="150000"/>
+              </a:lnSpc>
+              <a:buFont typeface="Wingdings" panose="05000000000000000000" pitchFamily="2" charset="2"/>
+              <a:buChar char="Ø"/>
+            </a:pPr>
+            <a:r>
+              <a:rPr lang="en-US" sz="2000" b="1">
+                <a:latin typeface="Times New Roman" panose="02020603050405020304" pitchFamily="18" charset="0"/>
+                <a:cs typeface="Times New Roman" panose="02020603050405020304" pitchFamily="18" charset="0"/>
+              </a:rPr>
+              <a:t>Approve: </a:t>
+            </a:r>
+            <a:r>
+              <a:rPr lang="en-US" sz="2000">
+                <a:latin typeface="Times New Roman" panose="02020603050405020304" pitchFamily="18" charset="0"/>
+                <a:cs typeface="Times New Roman" panose="02020603050405020304" pitchFamily="18" charset="0"/>
+              </a:rPr>
+              <a:t>Admins can approve or reject policies applied by customers.</a:t>
+            </a:r>
+          </a:p>
+          <a:p>
+            <a:pPr marL="342900" indent="-342900" algn="l" rtl="0">
+              <a:lnSpc>
+                <a:spcPct val="150000"/>
+              </a:lnSpc>
+              <a:buFont typeface="Wingdings" panose="05000000000000000000" pitchFamily="2" charset="2"/>
+              <a:buChar char="Ø"/>
+            </a:pPr>
+            <a:r>
+              <a:rPr lang="en-US" sz="2000">
+                <a:latin typeface="Times New Roman" panose="02020603050405020304" pitchFamily="18" charset="0"/>
+                <a:cs typeface="Times New Roman" panose="02020603050405020304" pitchFamily="18" charset="0"/>
+              </a:rPr>
+              <a:t>Policies are displayed in a list view, with CRUD (Create, Read, Update, Delete) options for each policy and an approval button for pending requests.</a:t>
+            </a:r>
+          </a:p>
+          <a:p>
+            <a:endParaRPr lang="en-US"/>
+          </a:p>
+          <a:p>
+            <a:endParaRPr lang="en-US" b="1">
+              <a:latin typeface="Times New Roman" panose="02020603050405020304" pitchFamily="18" charset="0"/>
+              <a:cs typeface="Times New Roman" panose="02020603050405020304" pitchFamily="18" charset="0"/>
+            </a:endParaRPr>
+          </a:p>
+        </p:txBody>
+      </p:sp>
     </p:spTree>
     <p:extLst>
       <p:ext uri="{BB962C8B-B14F-4D97-AF65-F5344CB8AC3E}">
-        <p14:creationId xmlns:p14="http://schemas.microsoft.com/office/powerpoint/2010/main" val="2170658902"/>
+        <p14:creationId xmlns:p14="http://schemas.microsoft.com/office/powerpoint/2010/main" val="1027973593"/>
       </p:ext>
     </p:extLst>
   </p:cSld>
@@ -6641,8 +6771,8 @@
         </p:nvSpPr>
         <p:spPr>
           <a:xfrm>
-            <a:off x="793102" y="1287262"/>
-            <a:ext cx="10312863" cy="5028587"/>
+            <a:off x="793102" y="1287263"/>
+            <a:ext cx="10030407" cy="4607510"/>
           </a:xfrm>
           <a:ln>
             <a:noFill/>
@@ -6654,6 +6784,13 @@
           </a:bodyPr>
           <a:lstStyle/>
           <a:p>
+            <a:pPr algn="l"/>
+            <a:endParaRPr lang="en-US" sz="2000" b="1">
+              <a:latin typeface="Times New Roman" panose="02020603050405020304" pitchFamily="18" charset="0"/>
+              <a:cs typeface="Times New Roman" panose="02020603050405020304" pitchFamily="18" charset="0"/>
+            </a:endParaRPr>
+          </a:p>
+          <a:p>
             <a:pPr algn="l">
               <a:lnSpc>
                 <a:spcPct val="150000"/>
@@ -6664,7 +6801,7 @@
                 <a:latin typeface="Times New Roman" panose="02020603050405020304" pitchFamily="18" charset="0"/>
                 <a:cs typeface="Times New Roman" panose="02020603050405020304" pitchFamily="18" charset="0"/>
               </a:rPr>
-              <a:t>5.   View/Add/Update/Delete /Approve policy</a:t>
+              <a:t>6.   View total policy holder, approved policy holder, disapproved policy holder</a:t>
             </a:r>
           </a:p>
           <a:p>
@@ -6676,18 +6813,53 @@
               <a:buChar char="Ø"/>
             </a:pPr>
             <a:r>
-              <a:rPr lang="en-US" sz="2000" b="1">
-                <a:latin typeface="Times New Roman" panose="02020603050405020304" pitchFamily="18" charset="0"/>
-                <a:cs typeface="Times New Roman" panose="02020603050405020304" pitchFamily="18" charset="0"/>
-              </a:rPr>
-              <a:t>View: </a:t>
-            </a:r>
-            <a:r>
               <a:rPr lang="en-US" sz="2000">
                 <a:latin typeface="Times New Roman" panose="02020603050405020304" pitchFamily="18" charset="0"/>
                 <a:cs typeface="Times New Roman" panose="02020603050405020304" pitchFamily="18" charset="0"/>
               </a:rPr>
-              <a:t>Admins can view all the policies associated with different categories.</a:t>
+              <a:t>Admins can view a summary of all policyholders, including:</a:t>
+            </a:r>
+          </a:p>
+          <a:p>
+            <a:pPr algn="l" rtl="0">
+              <a:lnSpc>
+                <a:spcPct val="150000"/>
+              </a:lnSpc>
+            </a:pPr>
+            <a:r>
+              <a:rPr lang="en-US" sz="2000">
+                <a:latin typeface="Times New Roman" panose="02020603050405020304" pitchFamily="18" charset="0"/>
+                <a:cs typeface="Times New Roman" panose="02020603050405020304" pitchFamily="18" charset="0"/>
+              </a:rPr>
+              <a:t>      Total number of policyholders.</a:t>
+            </a:r>
+          </a:p>
+          <a:p>
+            <a:pPr algn="l" rtl="0">
+              <a:lnSpc>
+                <a:spcPct val="150000"/>
+              </a:lnSpc>
+            </a:pPr>
+            <a:r>
+              <a:rPr lang="en-US" sz="2000">
+                <a:latin typeface="Times New Roman" panose="02020603050405020304" pitchFamily="18" charset="0"/>
+                <a:cs typeface="Times New Roman" panose="02020603050405020304" pitchFamily="18" charset="0"/>
+              </a:rPr>
+              <a:t>      Number of policies that have been approved.</a:t>
+            </a:r>
+          </a:p>
+          <a:p>
+            <a:pPr algn="l" rtl="0">
+              <a:lnSpc>
+                <a:spcPct val="150000"/>
+              </a:lnSpc>
+            </a:pPr>
+            <a:r>
+              <a:rPr lang="en-US" sz="2000">
+                <a:latin typeface="Times New Roman" panose="02020603050405020304" pitchFamily="18" charset="0"/>
+                <a:cs typeface="Times New Roman" panose="02020603050405020304" pitchFamily="18" charset="0"/>
+              </a:rPr>
+              <a:t>      Number of policies that have been disapproved.</a:t>
             </a:r>
           </a:p>
           <a:p>
@@ -6699,97 +6871,22 @@
               <a:buChar char="Ø"/>
             </a:pPr>
             <a:r>
-              <a:rPr lang="en-US" sz="2000" b="1">
-                <a:latin typeface="Times New Roman" panose="02020603050405020304" pitchFamily="18" charset="0"/>
-                <a:cs typeface="Times New Roman" panose="02020603050405020304" pitchFamily="18" charset="0"/>
-              </a:rPr>
-              <a:t>Add:</a:t>
-            </a:r>
-            <a:r>
               <a:rPr lang="en-US" sz="2000">
                 <a:latin typeface="Times New Roman" panose="02020603050405020304" pitchFamily="18" charset="0"/>
                 <a:cs typeface="Times New Roman" panose="02020603050405020304" pitchFamily="18" charset="0"/>
               </a:rPr>
-              <a:t> Admins can add new policies, providing details like policy name, premium, duration, and terms.</a:t>
-            </a:r>
-          </a:p>
-          <a:p>
-            <a:pPr marL="342900" indent="-342900" algn="l" rtl="0">
-              <a:lnSpc>
-                <a:spcPct val="150000"/>
-              </a:lnSpc>
-              <a:buFont typeface="Wingdings" panose="05000000000000000000" pitchFamily="2" charset="2"/>
-              <a:buChar char="Ø"/>
-            </a:pPr>
-            <a:r>
-              <a:rPr lang="en-US" sz="2000" b="1">
-                <a:latin typeface="Times New Roman" panose="02020603050405020304" pitchFamily="18" charset="0"/>
-                <a:cs typeface="Times New Roman" panose="02020603050405020304" pitchFamily="18" charset="0"/>
-              </a:rPr>
-              <a:t>Update/Delete: </a:t>
-            </a:r>
-            <a:r>
-              <a:rPr lang="en-US" sz="2000">
-                <a:latin typeface="Times New Roman" panose="02020603050405020304" pitchFamily="18" charset="0"/>
-                <a:cs typeface="Times New Roman" panose="02020603050405020304" pitchFamily="18" charset="0"/>
-              </a:rPr>
-              <a:t>Admins can modify or delete existing policies if there are changes in coverage or if the policy is no longer available.</a:t>
-            </a:r>
-          </a:p>
-          <a:p>
-            <a:pPr marL="342900" indent="-342900" algn="l" rtl="0">
-              <a:lnSpc>
-                <a:spcPct val="150000"/>
-              </a:lnSpc>
-              <a:buFont typeface="Wingdings" panose="05000000000000000000" pitchFamily="2" charset="2"/>
-              <a:buChar char="Ø"/>
-            </a:pPr>
-            <a:r>
-              <a:rPr lang="en-US" sz="2000" b="1">
-                <a:latin typeface="Times New Roman" panose="02020603050405020304" pitchFamily="18" charset="0"/>
-                <a:cs typeface="Times New Roman" panose="02020603050405020304" pitchFamily="18" charset="0"/>
-              </a:rPr>
-              <a:t>Approve: </a:t>
-            </a:r>
-            <a:r>
-              <a:rPr lang="en-US" sz="2000">
-                <a:latin typeface="Times New Roman" panose="02020603050405020304" pitchFamily="18" charset="0"/>
-                <a:cs typeface="Times New Roman" panose="02020603050405020304" pitchFamily="18" charset="0"/>
-              </a:rPr>
-              <a:t>Admins can approve or reject policies applied by customers.</a:t>
-            </a:r>
-          </a:p>
-          <a:p>
-            <a:pPr marL="342900" indent="-342900" algn="l" rtl="0">
-              <a:lnSpc>
-                <a:spcPct val="150000"/>
-              </a:lnSpc>
-              <a:buFont typeface="Wingdings" panose="05000000000000000000" pitchFamily="2" charset="2"/>
-              <a:buChar char="Ø"/>
-            </a:pPr>
-            <a:r>
-              <a:rPr lang="en-US" sz="2000">
-                <a:latin typeface="Times New Roman" panose="02020603050405020304" pitchFamily="18" charset="0"/>
-                <a:cs typeface="Times New Roman" panose="02020603050405020304" pitchFamily="18" charset="0"/>
-              </a:rPr>
-              <a:t>Policies are displayed in a list view, with CRUD (Create, Read, Update, Delete) options for each policy and an approval button for pending requests.</a:t>
+              <a:t>A dashboard feature that provides a quick overview of this information with detailed reports.</a:t>
             </a:r>
           </a:p>
           <a:p>
             <a:endParaRPr lang="en-US"/>
-          </a:p>
-          <a:p>
-            <a:endParaRPr lang="en-US" b="1">
-              <a:latin typeface="Times New Roman" panose="02020603050405020304" pitchFamily="18" charset="0"/>
-              <a:cs typeface="Times New Roman" panose="02020603050405020304" pitchFamily="18" charset="0"/>
-            </a:endParaRPr>
           </a:p>
         </p:txBody>
       </p:sp>
     </p:spTree>
     <p:extLst>
       <p:ext uri="{BB962C8B-B14F-4D97-AF65-F5344CB8AC3E}">
-        <p14:creationId xmlns:p14="http://schemas.microsoft.com/office/powerpoint/2010/main" val="1027973593"/>
+        <p14:creationId xmlns:p14="http://schemas.microsoft.com/office/powerpoint/2010/main" val="2682599478"/>
       </p:ext>
     </p:extLst>
   </p:cSld>
@@ -7167,9 +7264,7 @@
           <p:nvPr/>
         </p:nvPicPr>
         <p:blipFill>
-          <a:blip r:embed="rId2">
-            <a:alphaModFix amt="50000"/>
-          </a:blip>
+          <a:blip r:embed="rId2"/>
           <a:srcRect t="15730"/>
           <a:stretch/>
         </p:blipFill>
@@ -7201,160 +7296,66 @@
         </p:nvSpPr>
         <p:spPr>
           <a:xfrm>
-            <a:off x="438540" y="542150"/>
-            <a:ext cx="5038530" cy="549532"/>
+            <a:off x="251927" y="641350"/>
+            <a:ext cx="5962261" cy="291712"/>
           </a:xfrm>
         </p:spPr>
         <p:txBody>
           <a:bodyPr>
-            <a:normAutofit/>
+            <a:normAutofit fontScale="90000"/>
           </a:bodyPr>
           <a:lstStyle/>
           <a:p>
             <a:r>
-              <a:rPr lang="en-US" sz="2800" b="1">
+              <a:rPr lang="en-US" sz="2400" b="1" dirty="0">
                 <a:latin typeface="Times New Roman" panose="02020603050405020304" pitchFamily="18" charset="0"/>
                 <a:cs typeface="Times New Roman" panose="02020603050405020304" pitchFamily="18" charset="0"/>
               </a:rPr>
-              <a:t>MODULE DESCRIPTION</a:t>
+              <a:t>POLICY APPROVE DISAPPROVE PAGE</a:t>
             </a:r>
           </a:p>
         </p:txBody>
       </p:sp>
-      <p:sp>
-        <p:nvSpPr>
-          <p:cNvPr id="3" name="Subtitle 2">
-            <a:extLst>
-              <a:ext uri="{FF2B5EF4-FFF2-40B4-BE49-F238E27FC236}">
-                <a16:creationId xmlns:a16="http://schemas.microsoft.com/office/drawing/2014/main" id="{9DB37C88-5779-4DDA-D5D4-84CC9D897578}"/>
-              </a:ext>
-            </a:extLst>
-          </p:cNvPr>
-          <p:cNvSpPr>
-            <a:spLocks noGrp="1"/>
-          </p:cNvSpPr>
-          <p:nvPr>
-            <p:ph type="subTitle" idx="1"/>
-          </p:nvPr>
-        </p:nvSpPr>
+      <p:pic>
+        <p:nvPicPr>
+          <p:cNvPr id="5" name="Picture 4" descr="A screenshot of a computer&#10;&#10;Description automatically generated">
+            <a:extLst>
+              <a:ext uri="{FF2B5EF4-FFF2-40B4-BE49-F238E27FC236}">
+                <a16:creationId xmlns:a16="http://schemas.microsoft.com/office/drawing/2014/main" id="{752AA503-9D31-12DB-0806-DC65CB9EB473}"/>
+              </a:ext>
+            </a:extLst>
+          </p:cNvPr>
+          <p:cNvPicPr>
+            <a:picLocks noChangeAspect="1"/>
+          </p:cNvPicPr>
+          <p:nvPr/>
+        </p:nvPicPr>
+        <p:blipFill>
+          <a:blip r:embed="rId3">
+            <a:extLst>
+              <a:ext uri="{28A0092B-C50C-407E-A947-70E740481C1C}">
+                <a14:useLocalDpi xmlns:a14="http://schemas.microsoft.com/office/drawing/2010/main" val="0"/>
+              </a:ext>
+            </a:extLst>
+          </a:blip>
+          <a:stretch>
+            <a:fillRect/>
+          </a:stretch>
+        </p:blipFill>
         <p:spPr>
           <a:xfrm>
-            <a:off x="793102" y="1287263"/>
-            <a:ext cx="10030407" cy="4607510"/>
+            <a:off x="597159" y="1334270"/>
+            <a:ext cx="10217022" cy="4882380"/>
           </a:xfrm>
-          <a:ln>
-            <a:noFill/>
-          </a:ln>
+          <a:prstGeom prst="rect">
+            <a:avLst/>
+          </a:prstGeom>
         </p:spPr>
-        <p:txBody>
-          <a:bodyPr>
-            <a:normAutofit/>
-          </a:bodyPr>
-          <a:lstStyle/>
-          <a:p>
-            <a:pPr algn="l"/>
-            <a:endParaRPr lang="en-US" sz="2000" b="1">
-              <a:latin typeface="Times New Roman" panose="02020603050405020304" pitchFamily="18" charset="0"/>
-              <a:cs typeface="Times New Roman" panose="02020603050405020304" pitchFamily="18" charset="0"/>
-            </a:endParaRPr>
-          </a:p>
-          <a:p>
-            <a:pPr algn="l">
-              <a:lnSpc>
-                <a:spcPct val="150000"/>
-              </a:lnSpc>
-            </a:pPr>
-            <a:r>
-              <a:rPr lang="en-US" sz="2000" b="1">
-                <a:latin typeface="Times New Roman" panose="02020603050405020304" pitchFamily="18" charset="0"/>
-                <a:cs typeface="Times New Roman" panose="02020603050405020304" pitchFamily="18" charset="0"/>
-              </a:rPr>
-              <a:t>6.   View total policy holder, approved policy holder, disapproved policy holder</a:t>
-            </a:r>
-          </a:p>
-          <a:p>
-            <a:pPr marL="342900" indent="-342900" algn="l" rtl="0">
-              <a:lnSpc>
-                <a:spcPct val="150000"/>
-              </a:lnSpc>
-              <a:buFont typeface="Wingdings" panose="05000000000000000000" pitchFamily="2" charset="2"/>
-              <a:buChar char="Ø"/>
-            </a:pPr>
-            <a:r>
-              <a:rPr lang="en-US" sz="2000">
-                <a:latin typeface="Times New Roman" panose="02020603050405020304" pitchFamily="18" charset="0"/>
-                <a:cs typeface="Times New Roman" panose="02020603050405020304" pitchFamily="18" charset="0"/>
-              </a:rPr>
-              <a:t>Admins can view a summary of all policyholders, including:</a:t>
-            </a:r>
-          </a:p>
-          <a:p>
-            <a:pPr algn="l" rtl="0">
-              <a:lnSpc>
-                <a:spcPct val="150000"/>
-              </a:lnSpc>
-            </a:pPr>
-            <a:r>
-              <a:rPr lang="en-US" sz="2000">
-                <a:latin typeface="Times New Roman" panose="02020603050405020304" pitchFamily="18" charset="0"/>
-                <a:cs typeface="Times New Roman" panose="02020603050405020304" pitchFamily="18" charset="0"/>
-              </a:rPr>
-              <a:t>      Total number of policyholders.</a:t>
-            </a:r>
-          </a:p>
-          <a:p>
-            <a:pPr algn="l" rtl="0">
-              <a:lnSpc>
-                <a:spcPct val="150000"/>
-              </a:lnSpc>
-            </a:pPr>
-            <a:r>
-              <a:rPr lang="en-US" sz="2000">
-                <a:latin typeface="Times New Roman" panose="02020603050405020304" pitchFamily="18" charset="0"/>
-                <a:cs typeface="Times New Roman" panose="02020603050405020304" pitchFamily="18" charset="0"/>
-              </a:rPr>
-              <a:t>      Number of policies that have been approved.</a:t>
-            </a:r>
-          </a:p>
-          <a:p>
-            <a:pPr algn="l" rtl="0">
-              <a:lnSpc>
-                <a:spcPct val="150000"/>
-              </a:lnSpc>
-            </a:pPr>
-            <a:r>
-              <a:rPr lang="en-US" sz="2000">
-                <a:latin typeface="Times New Roman" panose="02020603050405020304" pitchFamily="18" charset="0"/>
-                <a:cs typeface="Times New Roman" panose="02020603050405020304" pitchFamily="18" charset="0"/>
-              </a:rPr>
-              <a:t>      Number of policies that have been disapproved.</a:t>
-            </a:r>
-          </a:p>
-          <a:p>
-            <a:pPr marL="342900" indent="-342900" algn="l" rtl="0">
-              <a:lnSpc>
-                <a:spcPct val="150000"/>
-              </a:lnSpc>
-              <a:buFont typeface="Wingdings" panose="05000000000000000000" pitchFamily="2" charset="2"/>
-              <a:buChar char="Ø"/>
-            </a:pPr>
-            <a:r>
-              <a:rPr lang="en-US" sz="2000">
-                <a:latin typeface="Times New Roman" panose="02020603050405020304" pitchFamily="18" charset="0"/>
-                <a:cs typeface="Times New Roman" panose="02020603050405020304" pitchFamily="18" charset="0"/>
-              </a:rPr>
-              <a:t>A dashboard feature that provides a quick overview of this information with detailed reports.</a:t>
-            </a:r>
-          </a:p>
-          <a:p>
-            <a:endParaRPr lang="en-US"/>
-          </a:p>
-        </p:txBody>
-      </p:sp>
+      </p:pic>
     </p:spTree>
     <p:extLst>
       <p:ext uri="{BB962C8B-B14F-4D97-AF65-F5344CB8AC3E}">
-        <p14:creationId xmlns:p14="http://schemas.microsoft.com/office/powerpoint/2010/main" val="2682599478"/>
+        <p14:creationId xmlns:p14="http://schemas.microsoft.com/office/powerpoint/2010/main" val="3152927124"/>
       </p:ext>
     </p:extLst>
   </p:cSld>
@@ -7488,7 +7489,9 @@
           <p:nvPr/>
         </p:nvPicPr>
         <p:blipFill>
-          <a:blip r:embed="rId2"/>
+          <a:blip r:embed="rId2">
+            <a:alphaModFix amt="50000"/>
+          </a:blip>
           <a:srcRect t="15730"/>
           <a:stretch/>
         </p:blipFill>
@@ -7520,66 +7523,154 @@
         </p:nvSpPr>
         <p:spPr>
           <a:xfrm>
-            <a:off x="251927" y="641350"/>
-            <a:ext cx="5962261" cy="291712"/>
+            <a:off x="438540" y="542150"/>
+            <a:ext cx="5038530" cy="549532"/>
           </a:xfrm>
         </p:spPr>
         <p:txBody>
           <a:bodyPr>
-            <a:normAutofit fontScale="90000"/>
+            <a:normAutofit/>
           </a:bodyPr>
           <a:lstStyle/>
           <a:p>
             <a:r>
-              <a:rPr lang="en-US" sz="2400" b="1" dirty="0">
+              <a:rPr lang="en-US" sz="2800" b="1">
                 <a:latin typeface="Times New Roman" panose="02020603050405020304" pitchFamily="18" charset="0"/>
                 <a:cs typeface="Times New Roman" panose="02020603050405020304" pitchFamily="18" charset="0"/>
               </a:rPr>
-              <a:t>POLICY APPROVE DISAPPROVE PAGE</a:t>
+              <a:t>MODULE DESCRIPTION</a:t>
             </a:r>
           </a:p>
         </p:txBody>
       </p:sp>
-      <p:pic>
-        <p:nvPicPr>
-          <p:cNvPr id="5" name="Picture 4" descr="A screenshot of a computer&#10;&#10;Description automatically generated">
-            <a:extLst>
-              <a:ext uri="{FF2B5EF4-FFF2-40B4-BE49-F238E27FC236}">
-                <a16:creationId xmlns:a16="http://schemas.microsoft.com/office/drawing/2014/main" id="{752AA503-9D31-12DB-0806-DC65CB9EB473}"/>
-              </a:ext>
-            </a:extLst>
-          </p:cNvPr>
-          <p:cNvPicPr>
-            <a:picLocks noChangeAspect="1"/>
-          </p:cNvPicPr>
-          <p:nvPr/>
-        </p:nvPicPr>
-        <p:blipFill>
-          <a:blip r:embed="rId3">
-            <a:extLst>
-              <a:ext uri="{28A0092B-C50C-407E-A947-70E740481C1C}">
-                <a14:useLocalDpi xmlns:a14="http://schemas.microsoft.com/office/drawing/2010/main" val="0"/>
-              </a:ext>
-            </a:extLst>
-          </a:blip>
-          <a:stretch>
-            <a:fillRect/>
-          </a:stretch>
-        </p:blipFill>
+      <p:sp>
+        <p:nvSpPr>
+          <p:cNvPr id="3" name="Subtitle 2">
+            <a:extLst>
+              <a:ext uri="{FF2B5EF4-FFF2-40B4-BE49-F238E27FC236}">
+                <a16:creationId xmlns:a16="http://schemas.microsoft.com/office/drawing/2014/main" id="{9DB37C88-5779-4DDA-D5D4-84CC9D897578}"/>
+              </a:ext>
+            </a:extLst>
+          </p:cNvPr>
+          <p:cNvSpPr>
+            <a:spLocks noGrp="1"/>
+          </p:cNvSpPr>
+          <p:nvPr>
+            <p:ph type="subTitle" idx="1"/>
+          </p:nvPr>
+        </p:nvSpPr>
         <p:spPr>
           <a:xfrm>
-            <a:off x="597159" y="1334270"/>
-            <a:ext cx="10217022" cy="4882380"/>
+            <a:off x="793102" y="1287263"/>
+            <a:ext cx="10030407" cy="4607510"/>
           </a:xfrm>
-          <a:prstGeom prst="rect">
-            <a:avLst/>
-          </a:prstGeom>
+          <a:ln>
+            <a:noFill/>
+          </a:ln>
         </p:spPr>
-      </p:pic>
+        <p:txBody>
+          <a:bodyPr>
+            <a:normAutofit/>
+          </a:bodyPr>
+          <a:lstStyle/>
+          <a:p>
+            <a:pPr algn="l">
+              <a:lnSpc>
+                <a:spcPct val="150000"/>
+              </a:lnSpc>
+            </a:pPr>
+            <a:r>
+              <a:rPr lang="en-US" sz="2000" b="1">
+                <a:latin typeface="Times New Roman" panose="02020603050405020304" pitchFamily="18" charset="0"/>
+                <a:cs typeface="Times New Roman" panose="02020603050405020304" pitchFamily="18" charset="0"/>
+              </a:rPr>
+              <a:t>7.    Approve policy, applied by customer</a:t>
+            </a:r>
+          </a:p>
+          <a:p>
+            <a:pPr marL="342900" indent="-342900" algn="l" rtl="0">
+              <a:lnSpc>
+                <a:spcPct val="150000"/>
+              </a:lnSpc>
+              <a:buFont typeface="Wingdings" panose="05000000000000000000" pitchFamily="2" charset="2"/>
+              <a:buChar char="Ø"/>
+            </a:pPr>
+            <a:r>
+              <a:rPr lang="en-US" sz="2000">
+                <a:latin typeface="Times New Roman" panose="02020603050405020304" pitchFamily="18" charset="0"/>
+                <a:cs typeface="Times New Roman" panose="02020603050405020304" pitchFamily="18" charset="0"/>
+              </a:rPr>
+              <a:t>When a customer applies for a policy, it is placed in Pending status.</a:t>
+            </a:r>
+          </a:p>
+          <a:p>
+            <a:pPr marL="342900" indent="-342900" algn="l" rtl="0">
+              <a:lnSpc>
+                <a:spcPct val="150000"/>
+              </a:lnSpc>
+              <a:buFont typeface="Wingdings" panose="05000000000000000000" pitchFamily="2" charset="2"/>
+              <a:buChar char="Ø"/>
+            </a:pPr>
+            <a:r>
+              <a:rPr lang="en-US" sz="2000">
+                <a:latin typeface="Times New Roman" panose="02020603050405020304" pitchFamily="18" charset="0"/>
+                <a:cs typeface="Times New Roman" panose="02020603050405020304" pitchFamily="18" charset="0"/>
+              </a:rPr>
+              <a:t>Admins can review the application and either approve or disapprove it.</a:t>
+            </a:r>
+          </a:p>
+          <a:p>
+            <a:pPr marL="342900" indent="-342900" algn="l" rtl="0">
+              <a:lnSpc>
+                <a:spcPct val="150000"/>
+              </a:lnSpc>
+              <a:buFont typeface="Wingdings" panose="05000000000000000000" pitchFamily="2" charset="2"/>
+              <a:buChar char="Ø"/>
+            </a:pPr>
+            <a:r>
+              <a:rPr lang="en-US" sz="2000">
+                <a:latin typeface="Times New Roman" panose="02020603050405020304" pitchFamily="18" charset="0"/>
+                <a:cs typeface="Times New Roman" panose="02020603050405020304" pitchFamily="18" charset="0"/>
+              </a:rPr>
+              <a:t>Admins can see a list of pending applications with the option to approve or reject based on business rules.</a:t>
+            </a:r>
+          </a:p>
+          <a:p>
+            <a:pPr marL="342900" indent="-342900" algn="l" rtl="0">
+              <a:lnSpc>
+                <a:spcPct val="150000"/>
+              </a:lnSpc>
+              <a:buFont typeface="Wingdings" panose="05000000000000000000" pitchFamily="2" charset="2"/>
+              <a:buChar char="Ø"/>
+            </a:pPr>
+            <a:r>
+              <a:rPr lang="en-US" sz="2000">
+                <a:latin typeface="Times New Roman" panose="02020603050405020304" pitchFamily="18" charset="0"/>
+                <a:cs typeface="Times New Roman" panose="02020603050405020304" pitchFamily="18" charset="0"/>
+              </a:rPr>
+              <a:t>The system should notify the customer upon approval or rejection.</a:t>
+            </a:r>
+          </a:p>
+          <a:p>
+            <a:pPr algn="l">
+              <a:lnSpc>
+                <a:spcPct val="150000"/>
+              </a:lnSpc>
+            </a:pPr>
+            <a:endParaRPr lang="en-US" sz="2000" b="1">
+              <a:latin typeface="Times New Roman" panose="02020603050405020304" pitchFamily="18" charset="0"/>
+              <a:cs typeface="Times New Roman" panose="02020603050405020304" pitchFamily="18" charset="0"/>
+            </a:endParaRPr>
+          </a:p>
+          <a:p>
+            <a:endParaRPr lang="en-US"/>
+          </a:p>
+        </p:txBody>
+      </p:sp>
     </p:spTree>
     <p:extLst>
       <p:ext uri="{BB962C8B-B14F-4D97-AF65-F5344CB8AC3E}">
-        <p14:creationId xmlns:p14="http://schemas.microsoft.com/office/powerpoint/2010/main" val="3152927124"/>
+        <p14:creationId xmlns:p14="http://schemas.microsoft.com/office/powerpoint/2010/main" val="940065955"/>
       </p:ext>
     </p:extLst>
   </p:cSld>
@@ -7713,9 +7804,7 @@
           <p:nvPr/>
         </p:nvPicPr>
         <p:blipFill>
-          <a:blip r:embed="rId2">
-            <a:alphaModFix amt="50000"/>
-          </a:blip>
+          <a:blip r:embed="rId2"/>
           <a:srcRect t="15730"/>
           <a:stretch/>
         </p:blipFill>
@@ -7747,8 +7836,8 @@
         </p:nvSpPr>
         <p:spPr>
           <a:xfrm>
-            <a:off x="438540" y="542150"/>
-            <a:ext cx="5038530" cy="549532"/>
+            <a:off x="1082352" y="401218"/>
+            <a:ext cx="3984170" cy="531844"/>
           </a:xfrm>
         </p:spPr>
         <p:txBody>
@@ -7758,143 +7847,55 @@
           <a:lstStyle/>
           <a:p>
             <a:r>
-              <a:rPr lang="en-US" sz="2800" b="1">
+              <a:rPr lang="en-US" sz="2400" b="1" dirty="0">
                 <a:latin typeface="Times New Roman" panose="02020603050405020304" pitchFamily="18" charset="0"/>
                 <a:cs typeface="Times New Roman" panose="02020603050405020304" pitchFamily="18" charset="0"/>
               </a:rPr>
-              <a:t>MODULE DESCRIPTION</a:t>
+              <a:t>POLICY APPROVAL PAGE</a:t>
             </a:r>
           </a:p>
         </p:txBody>
       </p:sp>
-      <p:sp>
-        <p:nvSpPr>
-          <p:cNvPr id="3" name="Subtitle 2">
-            <a:extLst>
-              <a:ext uri="{FF2B5EF4-FFF2-40B4-BE49-F238E27FC236}">
-                <a16:creationId xmlns:a16="http://schemas.microsoft.com/office/drawing/2014/main" id="{9DB37C88-5779-4DDA-D5D4-84CC9D897578}"/>
-              </a:ext>
-            </a:extLst>
-          </p:cNvPr>
-          <p:cNvSpPr>
-            <a:spLocks noGrp="1"/>
-          </p:cNvSpPr>
-          <p:nvPr>
-            <p:ph type="subTitle" idx="1"/>
-          </p:nvPr>
-        </p:nvSpPr>
+      <p:pic>
+        <p:nvPicPr>
+          <p:cNvPr id="6" name="Picture 5" descr="A screenshot of a computer&#10;&#10;Description automatically generated">
+            <a:extLst>
+              <a:ext uri="{FF2B5EF4-FFF2-40B4-BE49-F238E27FC236}">
+                <a16:creationId xmlns:a16="http://schemas.microsoft.com/office/drawing/2014/main" id="{80DE1362-6244-C935-9605-E0A2BB37EA6F}"/>
+              </a:ext>
+            </a:extLst>
+          </p:cNvPr>
+          <p:cNvPicPr>
+            <a:picLocks noChangeAspect="1"/>
+          </p:cNvPicPr>
+          <p:nvPr/>
+        </p:nvPicPr>
+        <p:blipFill>
+          <a:blip r:embed="rId3">
+            <a:extLst>
+              <a:ext uri="{28A0092B-C50C-407E-A947-70E740481C1C}">
+                <a14:useLocalDpi xmlns:a14="http://schemas.microsoft.com/office/drawing/2010/main" val="0"/>
+              </a:ext>
+            </a:extLst>
+          </a:blip>
+          <a:stretch>
+            <a:fillRect/>
+          </a:stretch>
+        </p:blipFill>
         <p:spPr>
           <a:xfrm>
-            <a:off x="793102" y="1287263"/>
-            <a:ext cx="10030407" cy="4607510"/>
+            <a:off x="989046" y="1231641"/>
+            <a:ext cx="9815803" cy="4956433"/>
           </a:xfrm>
-          <a:ln>
-            <a:noFill/>
-          </a:ln>
+          <a:prstGeom prst="rect">
+            <a:avLst/>
+          </a:prstGeom>
         </p:spPr>
-        <p:txBody>
-          <a:bodyPr>
-            <a:normAutofit/>
-          </a:bodyPr>
-          <a:lstStyle/>
-          <a:p>
-            <a:pPr algn="l">
-              <a:lnSpc>
-                <a:spcPct val="150000"/>
-              </a:lnSpc>
-            </a:pPr>
-            <a:r>
-              <a:rPr lang="en-US" sz="2000" b="1">
-                <a:latin typeface="Times New Roman" panose="02020603050405020304" pitchFamily="18" charset="0"/>
-                <a:cs typeface="Times New Roman" panose="02020603050405020304" pitchFamily="18" charset="0"/>
-              </a:rPr>
-              <a:t>7.    Approve policy, applied by customer</a:t>
-            </a:r>
-          </a:p>
-          <a:p>
-            <a:pPr marL="342900" indent="-342900" algn="l" rtl="0">
-              <a:lnSpc>
-                <a:spcPct val="150000"/>
-              </a:lnSpc>
-              <a:buFont typeface="Wingdings" panose="05000000000000000000" pitchFamily="2" charset="2"/>
-              <a:buChar char="Ø"/>
-            </a:pPr>
-            <a:r>
-              <a:rPr lang="en-US" sz="2000">
-                <a:latin typeface="Times New Roman" panose="02020603050405020304" pitchFamily="18" charset="0"/>
-                <a:cs typeface="Times New Roman" panose="02020603050405020304" pitchFamily="18" charset="0"/>
-              </a:rPr>
-              <a:t>When a customer applies for a policy, it is placed in Pending status.</a:t>
-            </a:r>
-          </a:p>
-          <a:p>
-            <a:pPr marL="342900" indent="-342900" algn="l" rtl="0">
-              <a:lnSpc>
-                <a:spcPct val="150000"/>
-              </a:lnSpc>
-              <a:buFont typeface="Wingdings" panose="05000000000000000000" pitchFamily="2" charset="2"/>
-              <a:buChar char="Ø"/>
-            </a:pPr>
-            <a:r>
-              <a:rPr lang="en-US" sz="2000">
-                <a:latin typeface="Times New Roman" panose="02020603050405020304" pitchFamily="18" charset="0"/>
-                <a:cs typeface="Times New Roman" panose="02020603050405020304" pitchFamily="18" charset="0"/>
-              </a:rPr>
-              <a:t>Admins can review the application and either approve or disapprove it.</a:t>
-            </a:r>
-          </a:p>
-          <a:p>
-            <a:pPr marL="342900" indent="-342900" algn="l" rtl="0">
-              <a:lnSpc>
-                <a:spcPct val="150000"/>
-              </a:lnSpc>
-              <a:buFont typeface="Wingdings" panose="05000000000000000000" pitchFamily="2" charset="2"/>
-              <a:buChar char="Ø"/>
-            </a:pPr>
-            <a:r>
-              <a:rPr lang="en-US" sz="2000">
-                <a:latin typeface="Times New Roman" panose="02020603050405020304" pitchFamily="18" charset="0"/>
-                <a:cs typeface="Times New Roman" panose="02020603050405020304" pitchFamily="18" charset="0"/>
-              </a:rPr>
-              <a:t>Admins can see a list of pending applications with the option to approve or reject based on business rules.</a:t>
-            </a:r>
-          </a:p>
-          <a:p>
-            <a:pPr marL="342900" indent="-342900" algn="l" rtl="0">
-              <a:lnSpc>
-                <a:spcPct val="150000"/>
-              </a:lnSpc>
-              <a:buFont typeface="Wingdings" panose="05000000000000000000" pitchFamily="2" charset="2"/>
-              <a:buChar char="Ø"/>
-            </a:pPr>
-            <a:r>
-              <a:rPr lang="en-US" sz="2000">
-                <a:latin typeface="Times New Roman" panose="02020603050405020304" pitchFamily="18" charset="0"/>
-                <a:cs typeface="Times New Roman" panose="02020603050405020304" pitchFamily="18" charset="0"/>
-              </a:rPr>
-              <a:t>The system should notify the customer upon approval or rejection.</a:t>
-            </a:r>
-          </a:p>
-          <a:p>
-            <a:pPr algn="l">
-              <a:lnSpc>
-                <a:spcPct val="150000"/>
-              </a:lnSpc>
-            </a:pPr>
-            <a:endParaRPr lang="en-US" sz="2000" b="1">
-              <a:latin typeface="Times New Roman" panose="02020603050405020304" pitchFamily="18" charset="0"/>
-              <a:cs typeface="Times New Roman" panose="02020603050405020304" pitchFamily="18" charset="0"/>
-            </a:endParaRPr>
-          </a:p>
-          <a:p>
-            <a:endParaRPr lang="en-US"/>
-          </a:p>
-        </p:txBody>
-      </p:sp>
+      </p:pic>
     </p:spTree>
     <p:extLst>
       <p:ext uri="{BB962C8B-B14F-4D97-AF65-F5344CB8AC3E}">
-        <p14:creationId xmlns:p14="http://schemas.microsoft.com/office/powerpoint/2010/main" val="940065955"/>
+        <p14:creationId xmlns:p14="http://schemas.microsoft.com/office/powerpoint/2010/main" val="1830008253"/>
       </p:ext>
     </p:extLst>
   </p:cSld>
@@ -10752,7 +10753,7 @@
         </p:blipFill>
         <p:spPr>
           <a:xfrm>
-            <a:off x="905522" y="1334270"/>
+            <a:off x="905522" y="1343601"/>
             <a:ext cx="10093911" cy="4847455"/>
           </a:xfrm>
           <a:prstGeom prst="rect">
@@ -13258,6 +13259,244 @@
 </file>
 
 <file path=ppt/slides/slide40.xml><?xml version="1.0" encoding="utf-8"?>
+<p:sld xmlns:a="http://schemas.openxmlformats.org/drawingml/2006/main" xmlns:r="http://schemas.openxmlformats.org/officeDocument/2006/relationships" xmlns:p="http://schemas.openxmlformats.org/presentationml/2006/main">
+  <p:cSld>
+    <p:spTree>
+      <p:nvGrpSpPr>
+        <p:cNvPr id="1" name=""/>
+        <p:cNvGrpSpPr/>
+        <p:nvPr/>
+      </p:nvGrpSpPr>
+      <p:grpSpPr>
+        <a:xfrm>
+          <a:off x="0" y="0"/>
+          <a:ext cx="0" cy="0"/>
+          <a:chOff x="0" y="0"/>
+          <a:chExt cx="0" cy="0"/>
+        </a:xfrm>
+      </p:grpSpPr>
+      <p:pic>
+        <p:nvPicPr>
+          <p:cNvPr id="4" name="Picture 3" descr="Network connection abstract against a white background">
+            <a:extLst>
+              <a:ext uri="{FF2B5EF4-FFF2-40B4-BE49-F238E27FC236}">
+                <a16:creationId xmlns:a16="http://schemas.microsoft.com/office/drawing/2014/main" id="{EF538C5F-9FC0-0127-AFE1-6EBE0FD9276C}"/>
+              </a:ext>
+            </a:extLst>
+          </p:cNvPr>
+          <p:cNvPicPr>
+            <a:picLocks noChangeAspect="1"/>
+          </p:cNvPicPr>
+          <p:nvPr/>
+        </p:nvPicPr>
+        <p:blipFill>
+          <a:blip r:embed="rId2">
+            <a:alphaModFix amt="50000"/>
+          </a:blip>
+          <a:srcRect t="15730"/>
+          <a:stretch/>
+        </p:blipFill>
+        <p:spPr>
+          <a:xfrm>
+            <a:off x="20" y="716910"/>
+            <a:ext cx="12191980" cy="6141090"/>
+          </a:xfrm>
+          <a:prstGeom prst="rect">
+            <a:avLst/>
+          </a:prstGeom>
+        </p:spPr>
+      </p:pic>
+      <p:sp>
+        <p:nvSpPr>
+          <p:cNvPr id="2" name="Title 1">
+            <a:extLst>
+              <a:ext uri="{FF2B5EF4-FFF2-40B4-BE49-F238E27FC236}">
+                <a16:creationId xmlns:a16="http://schemas.microsoft.com/office/drawing/2014/main" id="{56B367E7-EA76-F479-D9D0-6D149484C9BB}"/>
+              </a:ext>
+            </a:extLst>
+          </p:cNvPr>
+          <p:cNvSpPr>
+            <a:spLocks noGrp="1"/>
+          </p:cNvSpPr>
+          <p:nvPr>
+            <p:ph type="ctrTitle"/>
+          </p:nvPr>
+        </p:nvSpPr>
+        <p:spPr>
+          <a:xfrm>
+            <a:off x="345234" y="261258"/>
+            <a:ext cx="2808513" cy="391886"/>
+          </a:xfrm>
+        </p:spPr>
+        <p:txBody>
+          <a:bodyPr>
+            <a:normAutofit fontScale="90000"/>
+          </a:bodyPr>
+          <a:lstStyle/>
+          <a:p>
+            <a:r>
+              <a:rPr lang="en-US" sz="3200" b="1" dirty="0">
+                <a:latin typeface="Times New Roman" panose="02020603050405020304" pitchFamily="18" charset="0"/>
+                <a:cs typeface="Times New Roman" panose="02020603050405020304" pitchFamily="18" charset="0"/>
+              </a:rPr>
+              <a:t>ER DIAGRAM</a:t>
+            </a:r>
+          </a:p>
+        </p:txBody>
+      </p:sp>
+      <p:pic>
+        <p:nvPicPr>
+          <p:cNvPr id="1026" name="Picture 2">
+            <a:extLst>
+              <a:ext uri="{FF2B5EF4-FFF2-40B4-BE49-F238E27FC236}">
+                <a16:creationId xmlns:a16="http://schemas.microsoft.com/office/drawing/2014/main" id="{447D3549-F1A2-94BE-7203-17754FAB6FA5}"/>
+              </a:ext>
+            </a:extLst>
+          </p:cNvPr>
+          <p:cNvPicPr>
+            <a:picLocks noChangeAspect="1" noChangeArrowheads="1"/>
+          </p:cNvPicPr>
+          <p:nvPr/>
+        </p:nvPicPr>
+        <p:blipFill>
+          <a:blip r:embed="rId3">
+            <a:extLst>
+              <a:ext uri="{28A0092B-C50C-407E-A947-70E740481C1C}">
+                <a14:useLocalDpi xmlns:a14="http://schemas.microsoft.com/office/drawing/2010/main" val="0"/>
+              </a:ext>
+            </a:extLst>
+          </a:blip>
+          <a:srcRect/>
+          <a:stretch>
+            <a:fillRect/>
+          </a:stretch>
+        </p:blipFill>
+        <p:spPr bwMode="auto">
+          <a:xfrm>
+            <a:off x="381000" y="886408"/>
+            <a:ext cx="11430000" cy="5757280"/>
+          </a:xfrm>
+          <a:prstGeom prst="rect">
+            <a:avLst/>
+          </a:prstGeom>
+          <a:noFill/>
+          <a:extLst>
+            <a:ext uri="{909E8E84-426E-40DD-AFC4-6F175D3DCCD1}">
+              <a14:hiddenFill xmlns:a14="http://schemas.microsoft.com/office/drawing/2010/main">
+                <a:solidFill>
+                  <a:srgbClr val="FFFFFF"/>
+                </a:solidFill>
+              </a14:hiddenFill>
+            </a:ext>
+          </a:extLst>
+        </p:spPr>
+      </p:pic>
+    </p:spTree>
+    <p:extLst>
+      <p:ext uri="{BB962C8B-B14F-4D97-AF65-F5344CB8AC3E}">
+        <p14:creationId xmlns:p14="http://schemas.microsoft.com/office/powerpoint/2010/main" val="3208203156"/>
+      </p:ext>
+    </p:extLst>
+  </p:cSld>
+  <p:clrMapOvr>
+    <a:masterClrMapping/>
+  </p:clrMapOvr>
+  <p:timing>
+    <p:tnLst>
+      <p:par>
+        <p:cTn id="1" dur="indefinite" restart="never" nodeType="tmRoot">
+          <p:childTnLst>
+            <p:seq concurrent="1" nextAc="seek">
+              <p:cTn id="2" dur="indefinite" nodeType="mainSeq">
+                <p:childTnLst>
+                  <p:par>
+                    <p:cTn id="3" fill="hold">
+                      <p:stCondLst>
+                        <p:cond delay="indefinite"/>
+                        <p:cond evt="onBegin" delay="0">
+                          <p:tn val="2"/>
+                        </p:cond>
+                      </p:stCondLst>
+                      <p:childTnLst>
+                        <p:par>
+                          <p:cTn id="4" fill="hold">
+                            <p:stCondLst>
+                              <p:cond delay="0"/>
+                            </p:stCondLst>
+                            <p:childTnLst>
+                              <p:par>
+                                <p:cTn id="5" presetID="10" presetClass="entr" presetSubtype="0" fill="hold" grpId="0" nodeType="withEffect">
+                                  <p:stCondLst>
+                                    <p:cond delay="1000"/>
+                                  </p:stCondLst>
+                                  <p:iterate type="lt">
+                                    <p:tmPct val="10000"/>
+                                  </p:iterate>
+                                  <p:childTnLst>
+                                    <p:set>
+                                      <p:cBhvr>
+                                        <p:cTn id="6" dur="1" fill="hold">
+                                          <p:stCondLst>
+                                            <p:cond delay="0"/>
+                                          </p:stCondLst>
+                                        </p:cTn>
+                                        <p:tgtEl>
+                                          <p:spTgt spid="2"/>
+                                        </p:tgtEl>
+                                        <p:attrNameLst>
+                                          <p:attrName>style.visibility</p:attrName>
+                                        </p:attrNameLst>
+                                      </p:cBhvr>
+                                      <p:to>
+                                        <p:strVal val="visible"/>
+                                      </p:to>
+                                    </p:set>
+                                    <p:animEffect transition="in" filter="fade">
+                                      <p:cBhvr>
+                                        <p:cTn id="7" dur="400"/>
+                                        <p:tgtEl>
+                                          <p:spTgt spid="2"/>
+                                        </p:tgtEl>
+                                      </p:cBhvr>
+                                    </p:animEffect>
+                                  </p:childTnLst>
+                                </p:cTn>
+                              </p:par>
+                            </p:childTnLst>
+                          </p:cTn>
+                        </p:par>
+                      </p:childTnLst>
+                    </p:cTn>
+                  </p:par>
+                </p:childTnLst>
+              </p:cTn>
+              <p:prevCondLst>
+                <p:cond evt="onPrev" delay="0">
+                  <p:tgtEl>
+                    <p:sldTgt/>
+                  </p:tgtEl>
+                </p:cond>
+              </p:prevCondLst>
+              <p:nextCondLst>
+                <p:cond evt="onNext" delay="0">
+                  <p:tgtEl>
+                    <p:sldTgt/>
+                  </p:tgtEl>
+                </p:cond>
+              </p:nextCondLst>
+            </p:seq>
+          </p:childTnLst>
+        </p:cTn>
+      </p:par>
+    </p:tnLst>
+    <p:bldLst>
+      <p:bldP spid="2" grpId="0"/>
+    </p:bldLst>
+  </p:timing>
+</p:sld>
+</file>
+
+<file path=ppt/slides/slide41.xml><?xml version="1.0" encoding="utf-8"?>
 <p:sld xmlns:a="http://schemas.openxmlformats.org/drawingml/2006/main" xmlns:r="http://schemas.openxmlformats.org/officeDocument/2006/relationships" xmlns:p="http://schemas.openxmlformats.org/presentationml/2006/main">
   <p:cSld>
     <p:spTree>
@@ -14789,244 +15028,6 @@
         </p:blipFill>
         <p:spPr>
           <a:xfrm>
-            <a:off x="20" y="716910"/>
-            <a:ext cx="12191980" cy="6141090"/>
-          </a:xfrm>
-          <a:prstGeom prst="rect">
-            <a:avLst/>
-          </a:prstGeom>
-        </p:spPr>
-      </p:pic>
-      <p:sp>
-        <p:nvSpPr>
-          <p:cNvPr id="2" name="Title 1">
-            <a:extLst>
-              <a:ext uri="{FF2B5EF4-FFF2-40B4-BE49-F238E27FC236}">
-                <a16:creationId xmlns:a16="http://schemas.microsoft.com/office/drawing/2014/main" id="{56B367E7-EA76-F479-D9D0-6D149484C9BB}"/>
-              </a:ext>
-            </a:extLst>
-          </p:cNvPr>
-          <p:cNvSpPr>
-            <a:spLocks noGrp="1"/>
-          </p:cNvSpPr>
-          <p:nvPr>
-            <p:ph type="ctrTitle"/>
-          </p:nvPr>
-        </p:nvSpPr>
-        <p:spPr>
-          <a:xfrm>
-            <a:off x="345234" y="261258"/>
-            <a:ext cx="2808513" cy="391886"/>
-          </a:xfrm>
-        </p:spPr>
-        <p:txBody>
-          <a:bodyPr>
-            <a:normAutofit fontScale="90000"/>
-          </a:bodyPr>
-          <a:lstStyle/>
-          <a:p>
-            <a:r>
-              <a:rPr lang="en-US" sz="3200" b="1" dirty="0">
-                <a:latin typeface="Times New Roman" panose="02020603050405020304" pitchFamily="18" charset="0"/>
-                <a:cs typeface="Times New Roman" panose="02020603050405020304" pitchFamily="18" charset="0"/>
-              </a:rPr>
-              <a:t>ER DIAGRAM</a:t>
-            </a:r>
-          </a:p>
-        </p:txBody>
-      </p:sp>
-      <p:pic>
-        <p:nvPicPr>
-          <p:cNvPr id="1026" name="Picture 2">
-            <a:extLst>
-              <a:ext uri="{FF2B5EF4-FFF2-40B4-BE49-F238E27FC236}">
-                <a16:creationId xmlns:a16="http://schemas.microsoft.com/office/drawing/2014/main" id="{447D3549-F1A2-94BE-7203-17754FAB6FA5}"/>
-              </a:ext>
-            </a:extLst>
-          </p:cNvPr>
-          <p:cNvPicPr>
-            <a:picLocks noChangeAspect="1" noChangeArrowheads="1"/>
-          </p:cNvPicPr>
-          <p:nvPr/>
-        </p:nvPicPr>
-        <p:blipFill>
-          <a:blip r:embed="rId3">
-            <a:extLst>
-              <a:ext uri="{28A0092B-C50C-407E-A947-70E740481C1C}">
-                <a14:useLocalDpi xmlns:a14="http://schemas.microsoft.com/office/drawing/2010/main" val="0"/>
-              </a:ext>
-            </a:extLst>
-          </a:blip>
-          <a:srcRect/>
-          <a:stretch>
-            <a:fillRect/>
-          </a:stretch>
-        </p:blipFill>
-        <p:spPr bwMode="auto">
-          <a:xfrm>
-            <a:off x="381000" y="886408"/>
-            <a:ext cx="11430000" cy="5757280"/>
-          </a:xfrm>
-          <a:prstGeom prst="rect">
-            <a:avLst/>
-          </a:prstGeom>
-          <a:noFill/>
-          <a:extLst>
-            <a:ext uri="{909E8E84-426E-40DD-AFC4-6F175D3DCCD1}">
-              <a14:hiddenFill xmlns:a14="http://schemas.microsoft.com/office/drawing/2010/main">
-                <a:solidFill>
-                  <a:srgbClr val="FFFFFF"/>
-                </a:solidFill>
-              </a14:hiddenFill>
-            </a:ext>
-          </a:extLst>
-        </p:spPr>
-      </p:pic>
-    </p:spTree>
-    <p:extLst>
-      <p:ext uri="{BB962C8B-B14F-4D97-AF65-F5344CB8AC3E}">
-        <p14:creationId xmlns:p14="http://schemas.microsoft.com/office/powerpoint/2010/main" val="2632727083"/>
-      </p:ext>
-    </p:extLst>
-  </p:cSld>
-  <p:clrMapOvr>
-    <a:masterClrMapping/>
-  </p:clrMapOvr>
-  <p:timing>
-    <p:tnLst>
-      <p:par>
-        <p:cTn id="1" dur="indefinite" restart="never" nodeType="tmRoot">
-          <p:childTnLst>
-            <p:seq concurrent="1" nextAc="seek">
-              <p:cTn id="2" dur="indefinite" nodeType="mainSeq">
-                <p:childTnLst>
-                  <p:par>
-                    <p:cTn id="3" fill="hold">
-                      <p:stCondLst>
-                        <p:cond delay="indefinite"/>
-                        <p:cond evt="onBegin" delay="0">
-                          <p:tn val="2"/>
-                        </p:cond>
-                      </p:stCondLst>
-                      <p:childTnLst>
-                        <p:par>
-                          <p:cTn id="4" fill="hold">
-                            <p:stCondLst>
-                              <p:cond delay="0"/>
-                            </p:stCondLst>
-                            <p:childTnLst>
-                              <p:par>
-                                <p:cTn id="5" presetID="10" presetClass="entr" presetSubtype="0" fill="hold" grpId="0" nodeType="withEffect">
-                                  <p:stCondLst>
-                                    <p:cond delay="1000"/>
-                                  </p:stCondLst>
-                                  <p:iterate type="lt">
-                                    <p:tmPct val="10000"/>
-                                  </p:iterate>
-                                  <p:childTnLst>
-                                    <p:set>
-                                      <p:cBhvr>
-                                        <p:cTn id="6" dur="1" fill="hold">
-                                          <p:stCondLst>
-                                            <p:cond delay="0"/>
-                                          </p:stCondLst>
-                                        </p:cTn>
-                                        <p:tgtEl>
-                                          <p:spTgt spid="2"/>
-                                        </p:tgtEl>
-                                        <p:attrNameLst>
-                                          <p:attrName>style.visibility</p:attrName>
-                                        </p:attrNameLst>
-                                      </p:cBhvr>
-                                      <p:to>
-                                        <p:strVal val="visible"/>
-                                      </p:to>
-                                    </p:set>
-                                    <p:animEffect transition="in" filter="fade">
-                                      <p:cBhvr>
-                                        <p:cTn id="7" dur="400"/>
-                                        <p:tgtEl>
-                                          <p:spTgt spid="2"/>
-                                        </p:tgtEl>
-                                      </p:cBhvr>
-                                    </p:animEffect>
-                                  </p:childTnLst>
-                                </p:cTn>
-                              </p:par>
-                            </p:childTnLst>
-                          </p:cTn>
-                        </p:par>
-                      </p:childTnLst>
-                    </p:cTn>
-                  </p:par>
-                </p:childTnLst>
-              </p:cTn>
-              <p:prevCondLst>
-                <p:cond evt="onPrev" delay="0">
-                  <p:tgtEl>
-                    <p:sldTgt/>
-                  </p:tgtEl>
-                </p:cond>
-              </p:prevCondLst>
-              <p:nextCondLst>
-                <p:cond evt="onNext" delay="0">
-                  <p:tgtEl>
-                    <p:sldTgt/>
-                  </p:tgtEl>
-                </p:cond>
-              </p:nextCondLst>
-            </p:seq>
-          </p:childTnLst>
-        </p:cTn>
-      </p:par>
-    </p:tnLst>
-    <p:bldLst>
-      <p:bldP spid="2" grpId="0"/>
-    </p:bldLst>
-  </p:timing>
-</p:sld>
-</file>
-
-<file path=ppt/slides/slide8.xml><?xml version="1.0" encoding="utf-8"?>
-<p:sld xmlns:a="http://schemas.openxmlformats.org/drawingml/2006/main" xmlns:r="http://schemas.openxmlformats.org/officeDocument/2006/relationships" xmlns:p="http://schemas.openxmlformats.org/presentationml/2006/main">
-  <p:cSld>
-    <p:spTree>
-      <p:nvGrpSpPr>
-        <p:cNvPr id="1" name=""/>
-        <p:cNvGrpSpPr/>
-        <p:nvPr/>
-      </p:nvGrpSpPr>
-      <p:grpSpPr>
-        <a:xfrm>
-          <a:off x="0" y="0"/>
-          <a:ext cx="0" cy="0"/>
-          <a:chOff x="0" y="0"/>
-          <a:chExt cx="0" cy="0"/>
-        </a:xfrm>
-      </p:grpSpPr>
-      <p:pic>
-        <p:nvPicPr>
-          <p:cNvPr id="4" name="Picture 3" descr="Network connection abstract against a white background">
-            <a:extLst>
-              <a:ext uri="{FF2B5EF4-FFF2-40B4-BE49-F238E27FC236}">
-                <a16:creationId xmlns:a16="http://schemas.microsoft.com/office/drawing/2014/main" id="{EF538C5F-9FC0-0127-AFE1-6EBE0FD9276C}"/>
-              </a:ext>
-            </a:extLst>
-          </p:cNvPr>
-          <p:cNvPicPr>
-            <a:picLocks noChangeAspect="1"/>
-          </p:cNvPicPr>
-          <p:nvPr/>
-        </p:nvPicPr>
-        <p:blipFill>
-          <a:blip r:embed="rId2">
-            <a:alphaModFix amt="50000"/>
-          </a:blip>
-          <a:srcRect t="15730"/>
-          <a:stretch/>
-        </p:blipFill>
-        <p:spPr>
-          <a:xfrm>
             <a:off x="20" y="8888"/>
             <a:ext cx="12191980" cy="6857990"/>
           </a:xfrm>
@@ -15292,7 +15293,7 @@
 </p:sld>
 </file>
 
-<file path=ppt/slides/slide9.xml><?xml version="1.0" encoding="utf-8"?>
+<file path=ppt/slides/slide8.xml><?xml version="1.0" encoding="utf-8"?>
 <p:sld xmlns:a="http://schemas.openxmlformats.org/drawingml/2006/main" xmlns:r="http://schemas.openxmlformats.org/officeDocument/2006/relationships" xmlns:p="http://schemas.openxmlformats.org/presentationml/2006/main">
   <p:cSld>
     <p:bg>
@@ -17812,6 +17813,231 @@
 </p:sld>
 </file>
 
+<file path=ppt/slides/slide9.xml><?xml version="1.0" encoding="utf-8"?>
+<p:sld xmlns:a="http://schemas.openxmlformats.org/drawingml/2006/main" xmlns:r="http://schemas.openxmlformats.org/officeDocument/2006/relationships" xmlns:p="http://schemas.openxmlformats.org/presentationml/2006/main">
+  <p:cSld>
+    <p:spTree>
+      <p:nvGrpSpPr>
+        <p:cNvPr id="1" name=""/>
+        <p:cNvGrpSpPr/>
+        <p:nvPr/>
+      </p:nvGrpSpPr>
+      <p:grpSpPr>
+        <a:xfrm>
+          <a:off x="0" y="0"/>
+          <a:ext cx="0" cy="0"/>
+          <a:chOff x="0" y="0"/>
+          <a:chExt cx="0" cy="0"/>
+        </a:xfrm>
+      </p:grpSpPr>
+      <p:pic>
+        <p:nvPicPr>
+          <p:cNvPr id="4" name="Picture 3" descr="Network connection abstract against a white background">
+            <a:extLst>
+              <a:ext uri="{FF2B5EF4-FFF2-40B4-BE49-F238E27FC236}">
+                <a16:creationId xmlns:a16="http://schemas.microsoft.com/office/drawing/2014/main" id="{EF538C5F-9FC0-0127-AFE1-6EBE0FD9276C}"/>
+              </a:ext>
+            </a:extLst>
+          </p:cNvPr>
+          <p:cNvPicPr>
+            <a:picLocks noChangeAspect="1"/>
+          </p:cNvPicPr>
+          <p:nvPr/>
+        </p:nvPicPr>
+        <p:blipFill>
+          <a:blip r:embed="rId2"/>
+          <a:srcRect t="15730"/>
+          <a:stretch/>
+        </p:blipFill>
+        <p:spPr>
+          <a:xfrm>
+            <a:off x="20" y="10"/>
+            <a:ext cx="12191980" cy="6857990"/>
+          </a:xfrm>
+          <a:prstGeom prst="rect">
+            <a:avLst/>
+          </a:prstGeom>
+        </p:spPr>
+      </p:pic>
+      <p:sp>
+        <p:nvSpPr>
+          <p:cNvPr id="2" name="Title 1">
+            <a:extLst>
+              <a:ext uri="{FF2B5EF4-FFF2-40B4-BE49-F238E27FC236}">
+                <a16:creationId xmlns:a16="http://schemas.microsoft.com/office/drawing/2014/main" id="{56B367E7-EA76-F479-D9D0-6D149484C9BB}"/>
+              </a:ext>
+            </a:extLst>
+          </p:cNvPr>
+          <p:cNvSpPr>
+            <a:spLocks noGrp="1"/>
+          </p:cNvSpPr>
+          <p:nvPr>
+            <p:ph type="ctrTitle"/>
+          </p:nvPr>
+        </p:nvSpPr>
+        <p:spPr>
+          <a:xfrm>
+            <a:off x="858415" y="401218"/>
+            <a:ext cx="3937519" cy="531844"/>
+          </a:xfrm>
+        </p:spPr>
+        <p:txBody>
+          <a:bodyPr>
+            <a:normAutofit fontScale="90000"/>
+          </a:bodyPr>
+          <a:lstStyle/>
+          <a:p>
+            <a:r>
+              <a:rPr lang="en-US" sz="2400" b="1" dirty="0">
+                <a:latin typeface="Times New Roman" panose="02020603050405020304" pitchFamily="18" charset="0"/>
+                <a:cs typeface="Times New Roman" panose="02020603050405020304" pitchFamily="18" charset="0"/>
+              </a:rPr>
+              <a:t>ADMIN DASHBOARD PAGE</a:t>
+            </a:r>
+          </a:p>
+        </p:txBody>
+      </p:sp>
+      <p:pic>
+        <p:nvPicPr>
+          <p:cNvPr id="5" name="Picture 4" descr="A screenshot of a computer&#10;&#10;Description automatically generated">
+            <a:extLst>
+              <a:ext uri="{FF2B5EF4-FFF2-40B4-BE49-F238E27FC236}">
+                <a16:creationId xmlns:a16="http://schemas.microsoft.com/office/drawing/2014/main" id="{313E6DAD-780F-18FD-AAA9-BDD00B92D485}"/>
+              </a:ext>
+            </a:extLst>
+          </p:cNvPr>
+          <p:cNvPicPr>
+            <a:picLocks noChangeAspect="1"/>
+          </p:cNvPicPr>
+          <p:nvPr/>
+        </p:nvPicPr>
+        <p:blipFill>
+          <a:blip r:embed="rId3">
+            <a:extLst>
+              <a:ext uri="{28A0092B-C50C-407E-A947-70E740481C1C}">
+                <a14:useLocalDpi xmlns:a14="http://schemas.microsoft.com/office/drawing/2010/main" val="0"/>
+              </a:ext>
+            </a:extLst>
+          </a:blip>
+          <a:stretch>
+            <a:fillRect/>
+          </a:stretch>
+        </p:blipFill>
+        <p:spPr>
+          <a:xfrm>
+            <a:off x="858415" y="1334269"/>
+            <a:ext cx="10226351" cy="4930005"/>
+          </a:xfrm>
+          <a:prstGeom prst="rect">
+            <a:avLst/>
+          </a:prstGeom>
+        </p:spPr>
+      </p:pic>
+    </p:spTree>
+    <p:extLst>
+      <p:ext uri="{BB962C8B-B14F-4D97-AF65-F5344CB8AC3E}">
+        <p14:creationId xmlns:p14="http://schemas.microsoft.com/office/powerpoint/2010/main" val="3781796113"/>
+      </p:ext>
+    </p:extLst>
+  </p:cSld>
+  <p:clrMapOvr>
+    <a:masterClrMapping/>
+  </p:clrMapOvr>
+  <p:timing>
+    <p:tnLst>
+      <p:par>
+        <p:cTn id="1" dur="indefinite" restart="never" nodeType="tmRoot">
+          <p:childTnLst>
+            <p:seq concurrent="1" nextAc="seek">
+              <p:cTn id="2" dur="indefinite" nodeType="mainSeq">
+                <p:childTnLst>
+                  <p:par>
+                    <p:cTn id="3" fill="hold">
+                      <p:stCondLst>
+                        <p:cond delay="indefinite"/>
+                        <p:cond evt="onBegin" delay="0">
+                          <p:tn val="2"/>
+                        </p:cond>
+                      </p:stCondLst>
+                      <p:childTnLst>
+                        <p:par>
+                          <p:cTn id="4" fill="hold">
+                            <p:stCondLst>
+                              <p:cond delay="0"/>
+                            </p:stCondLst>
+                            <p:childTnLst>
+                              <p:par>
+                                <p:cTn id="5" presetID="10" presetClass="entr" presetSubtype="0" fill="hold" grpId="0" nodeType="withEffect">
+                                  <p:stCondLst>
+                                    <p:cond delay="1000"/>
+                                  </p:stCondLst>
+                                  <p:iterate type="lt">
+                                    <p:tmPct val="10000"/>
+                                  </p:iterate>
+                                  <p:childTnLst>
+                                    <p:set>
+                                      <p:cBhvr>
+                                        <p:cTn id="6" dur="1" fill="hold">
+                                          <p:stCondLst>
+                                            <p:cond delay="0"/>
+                                          </p:stCondLst>
+                                        </p:cTn>
+                                        <p:tgtEl>
+                                          <p:spTgt spid="2"/>
+                                        </p:tgtEl>
+                                        <p:attrNameLst>
+                                          <p:attrName>style.visibility</p:attrName>
+                                        </p:attrNameLst>
+                                      </p:cBhvr>
+                                      <p:to>
+                                        <p:strVal val="visible"/>
+                                      </p:to>
+                                    </p:set>
+                                    <p:animEffect transition="in" filter="fade">
+                                      <p:cBhvr>
+                                        <p:cTn id="7" dur="400"/>
+                                        <p:tgtEl>
+                                          <p:spTgt spid="2"/>
+                                        </p:tgtEl>
+                                      </p:cBhvr>
+                                    </p:animEffect>
+                                  </p:childTnLst>
+                                </p:cTn>
+                              </p:par>
+                            </p:childTnLst>
+                          </p:cTn>
+                        </p:par>
+                      </p:childTnLst>
+                    </p:cTn>
+                  </p:par>
+                </p:childTnLst>
+              </p:cTn>
+              <p:prevCondLst>
+                <p:cond evt="onPrev" delay="0">
+                  <p:tgtEl>
+                    <p:sldTgt/>
+                  </p:tgtEl>
+                </p:cond>
+              </p:prevCondLst>
+              <p:nextCondLst>
+                <p:cond evt="onNext" delay="0">
+                  <p:tgtEl>
+                    <p:sldTgt/>
+                  </p:tgtEl>
+                </p:cond>
+              </p:nextCondLst>
+            </p:seq>
+          </p:childTnLst>
+        </p:cTn>
+      </p:par>
+    </p:tnLst>
+    <p:bldLst>
+      <p:bldP spid="2" grpId="0"/>
+    </p:bldLst>
+  </p:timing>
+</p:sld>
+</file>
+
 <file path=ppt/theme/theme1.xml><?xml version="1.0" encoding="utf-8"?>
 <a:theme xmlns:a="http://schemas.openxmlformats.org/drawingml/2006/main" name="Office Theme">
   <a:themeElements>
